--- a/presentation.pptx
+++ b/presentation.pptx
@@ -8,7 +8,7 @@
     <p:notesMasterId r:id="rId4"/>
   </p:notesMasterIdLst>
   <p:handoutMasterIdLst>
-    <p:handoutMasterId r:id="rId16"/>
+    <p:handoutMasterId r:id="rId21"/>
   </p:handoutMasterIdLst>
   <p:sldIdLst>
     <p:sldId id="256" r:id="rId3"/>
@@ -22,38 +22,43 @@
     <p:sldId id="315" r:id="rId12"/>
     <p:sldId id="316" r:id="rId13"/>
     <p:sldId id="309" r:id="rId14"/>
-    <p:sldId id="267" r:id="rId15"/>
+    <p:sldId id="320" r:id="rId15"/>
+    <p:sldId id="323" r:id="rId16"/>
+    <p:sldId id="324" r:id="rId17"/>
+    <p:sldId id="322" r:id="rId18"/>
+    <p:sldId id="326" r:id="rId19"/>
+    <p:sldId id="267" r:id="rId20"/>
   </p:sldIdLst>
   <p:sldSz cx="9144000" cy="5143500"/>
   <p:notesSz cx="6858000" cy="9144000"/>
   <p:embeddedFontLst>
     <p:embeddedFont>
       <p:font typeface="Montserrat" charset="0"/>
-      <p:regular r:id="rId20"/>
-      <p:bold r:id="rId21"/>
-      <p:italic r:id="rId22"/>
-      <p:boldItalic r:id="rId23"/>
+      <p:regular r:id="rId25"/>
+      <p:bold r:id="rId26"/>
+      <p:italic r:id="rId27"/>
+      <p:boldItalic r:id="rId28"/>
     </p:embeddedFont>
     <p:embeddedFont>
       <p:font typeface="Archivo Medium" charset="0"/>
-      <p:regular r:id="rId24"/>
-      <p:bold r:id="rId25"/>
-      <p:italic r:id="rId26"/>
-      <p:boldItalic r:id="rId27"/>
+      <p:regular r:id="rId29"/>
+      <p:bold r:id="rId30"/>
+      <p:italic r:id="rId31"/>
+      <p:boldItalic r:id="rId32"/>
     </p:embeddedFont>
     <p:embeddedFont>
       <p:font typeface="Montserrat Medium" charset="0"/>
-      <p:regular r:id="rId28"/>
-      <p:bold r:id="rId29"/>
-      <p:italic r:id="rId30"/>
-      <p:boldItalic r:id="rId31"/>
+      <p:regular r:id="rId33"/>
+      <p:bold r:id="rId34"/>
+      <p:italic r:id="rId35"/>
+      <p:boldItalic r:id="rId36"/>
     </p:embeddedFont>
     <p:embeddedFont>
       <p:font typeface="Archivo SemiBold" charset="0"/>
-      <p:regular r:id="rId32"/>
-      <p:bold r:id="rId33"/>
-      <p:italic r:id="rId34"/>
-      <p:boldItalic r:id="rId35"/>
+      <p:regular r:id="rId37"/>
+      <p:bold r:id="rId38"/>
+      <p:italic r:id="rId39"/>
+      <p:boldItalic r:id="rId40"/>
     </p:embeddedFont>
   </p:embeddedFontLst>
   <p:defaultTextStyle>
@@ -1179,6 +1184,501 @@
 </file>
 
 <file path=ppt/notesSlides/notesSlide12.xml><?xml version="1.0" encoding="utf-8"?>
+<p:notes xmlns:a="http://schemas.openxmlformats.org/drawingml/2006/main" xmlns:r="http://schemas.openxmlformats.org/officeDocument/2006/relationships" xmlns:p="http://schemas.openxmlformats.org/presentationml/2006/main" showMasterPhAnim="0" showMasterSp="0">
+  <p:cSld>
+    <p:spTree>
+      <p:nvGrpSpPr>
+        <p:cNvPr id="46" name="Shape 46"/>
+        <p:cNvGrpSpPr/>
+        <p:nvPr/>
+      </p:nvGrpSpPr>
+      <p:grpSpPr>
+        <a:xfrm>
+          <a:off x="0" y="0"/>
+          <a:ext cx="0" cy="0"/>
+          <a:chOff x="0" y="0"/>
+          <a:chExt cx="0" cy="0"/>
+        </a:xfrm>
+      </p:grpSpPr>
+      <p:sp>
+        <p:nvSpPr>
+          <p:cNvPr id="47" name="Google Shape;47;g80d73bad10_0_27:notes"/>
+          <p:cNvSpPr/>
+          <p:nvPr>
+            <p:ph type="sldImg" idx="2"/>
+          </p:nvPr>
+        </p:nvSpPr>
+        <p:spPr>
+          <a:xfrm>
+            <a:off x="381300" y="685800"/>
+            <a:ext cx="6096000" cy="3429000"/>
+          </a:xfrm>
+          <a:custGeom>
+            <a:avLst/>
+            <a:gdLst/>
+            <a:ahLst/>
+            <a:cxnLst/>
+            <a:rect l="l" t="t" r="r" b="b"/>
+            <a:pathLst>
+              <a:path w="120000" h="120000" extrusionOk="0">
+                <a:moveTo>
+                  <a:pt x="0" y="0"/>
+                </a:moveTo>
+                <a:lnTo>
+                  <a:pt x="120000" y="0"/>
+                </a:lnTo>
+                <a:lnTo>
+                  <a:pt x="120000" y="120000"/>
+                </a:lnTo>
+                <a:lnTo>
+                  <a:pt x="0" y="120000"/>
+                </a:lnTo>
+                <a:close/>
+              </a:path>
+            </a:pathLst>
+          </a:custGeom>
+        </p:spPr>
+      </p:sp>
+      <p:sp>
+        <p:nvSpPr>
+          <p:cNvPr id="48" name="Google Shape;48;g80d73bad10_0_27:notes"/>
+          <p:cNvSpPr txBox="1"/>
+          <p:nvPr>
+            <p:ph type="body" idx="1"/>
+          </p:nvPr>
+        </p:nvSpPr>
+        <p:spPr>
+          <a:xfrm>
+            <a:off x="685800" y="4343400"/>
+            <a:ext cx="5486400" cy="4114800"/>
+          </a:xfrm>
+          <a:prstGeom prst="rect">
+            <a:avLst/>
+          </a:prstGeom>
+        </p:spPr>
+        <p:txBody>
+          <a:bodyPr spcFirstLastPara="1" wrap="square" lIns="91425" tIns="91425" rIns="91425" bIns="91425" anchor="t" anchorCtr="0">
+            <a:noAutofit/>
+          </a:bodyPr>
+          <a:lstStyle/>
+          <a:p>
+            <a:pPr marL="0" lvl="0" indent="0" algn="l" rtl="0">
+              <a:spcBef>
+                <a:spcPts val="0"/>
+              </a:spcBef>
+              <a:spcAft>
+                <a:spcPts val="0"/>
+              </a:spcAft>
+              <a:buNone/>
+            </a:pPr>
+          </a:p>
+        </p:txBody>
+      </p:sp>
+    </p:spTree>
+  </p:cSld>
+  <p:clrMapOvr>
+    <a:masterClrMapping/>
+  </p:clrMapOvr>
+</p:notes>
+</file>
+
+<file path=ppt/notesSlides/notesSlide13.xml><?xml version="1.0" encoding="utf-8"?>
+<p:notes xmlns:a="http://schemas.openxmlformats.org/drawingml/2006/main" xmlns:r="http://schemas.openxmlformats.org/officeDocument/2006/relationships" xmlns:p="http://schemas.openxmlformats.org/presentationml/2006/main" showMasterPhAnim="0" showMasterSp="0">
+  <p:cSld>
+    <p:spTree>
+      <p:nvGrpSpPr>
+        <p:cNvPr id="46" name="Shape 46"/>
+        <p:cNvGrpSpPr/>
+        <p:nvPr/>
+      </p:nvGrpSpPr>
+      <p:grpSpPr>
+        <a:xfrm>
+          <a:off x="0" y="0"/>
+          <a:ext cx="0" cy="0"/>
+          <a:chOff x="0" y="0"/>
+          <a:chExt cx="0" cy="0"/>
+        </a:xfrm>
+      </p:grpSpPr>
+      <p:sp>
+        <p:nvSpPr>
+          <p:cNvPr id="47" name="Google Shape;47;g80d73bad10_0_27:notes"/>
+          <p:cNvSpPr/>
+          <p:nvPr>
+            <p:ph type="sldImg" idx="2"/>
+          </p:nvPr>
+        </p:nvSpPr>
+        <p:spPr>
+          <a:xfrm>
+            <a:off x="381300" y="685800"/>
+            <a:ext cx="6096000" cy="3429000"/>
+          </a:xfrm>
+          <a:custGeom>
+            <a:avLst/>
+            <a:gdLst/>
+            <a:ahLst/>
+            <a:cxnLst/>
+            <a:rect l="l" t="t" r="r" b="b"/>
+            <a:pathLst>
+              <a:path w="120000" h="120000" extrusionOk="0">
+                <a:moveTo>
+                  <a:pt x="0" y="0"/>
+                </a:moveTo>
+                <a:lnTo>
+                  <a:pt x="120000" y="0"/>
+                </a:lnTo>
+                <a:lnTo>
+                  <a:pt x="120000" y="120000"/>
+                </a:lnTo>
+                <a:lnTo>
+                  <a:pt x="0" y="120000"/>
+                </a:lnTo>
+                <a:close/>
+              </a:path>
+            </a:pathLst>
+          </a:custGeom>
+        </p:spPr>
+      </p:sp>
+      <p:sp>
+        <p:nvSpPr>
+          <p:cNvPr id="48" name="Google Shape;48;g80d73bad10_0_27:notes"/>
+          <p:cNvSpPr txBox="1"/>
+          <p:nvPr>
+            <p:ph type="body" idx="1"/>
+          </p:nvPr>
+        </p:nvSpPr>
+        <p:spPr>
+          <a:xfrm>
+            <a:off x="685800" y="4343400"/>
+            <a:ext cx="5486400" cy="4114800"/>
+          </a:xfrm>
+          <a:prstGeom prst="rect">
+            <a:avLst/>
+          </a:prstGeom>
+        </p:spPr>
+        <p:txBody>
+          <a:bodyPr spcFirstLastPara="1" wrap="square" lIns="91425" tIns="91425" rIns="91425" bIns="91425" anchor="t" anchorCtr="0">
+            <a:noAutofit/>
+          </a:bodyPr>
+          <a:lstStyle/>
+          <a:p>
+            <a:pPr marL="0" lvl="0" indent="0" algn="l" rtl="0">
+              <a:spcBef>
+                <a:spcPts val="0"/>
+              </a:spcBef>
+              <a:spcAft>
+                <a:spcPts val="0"/>
+              </a:spcAft>
+              <a:buNone/>
+            </a:pPr>
+          </a:p>
+        </p:txBody>
+      </p:sp>
+    </p:spTree>
+  </p:cSld>
+  <p:clrMapOvr>
+    <a:masterClrMapping/>
+  </p:clrMapOvr>
+</p:notes>
+</file>
+
+<file path=ppt/notesSlides/notesSlide14.xml><?xml version="1.0" encoding="utf-8"?>
+<p:notes xmlns:a="http://schemas.openxmlformats.org/drawingml/2006/main" xmlns:r="http://schemas.openxmlformats.org/officeDocument/2006/relationships" xmlns:p="http://schemas.openxmlformats.org/presentationml/2006/main" showMasterPhAnim="0" showMasterSp="0">
+  <p:cSld>
+    <p:spTree>
+      <p:nvGrpSpPr>
+        <p:cNvPr id="46" name="Shape 46"/>
+        <p:cNvGrpSpPr/>
+        <p:nvPr/>
+      </p:nvGrpSpPr>
+      <p:grpSpPr>
+        <a:xfrm>
+          <a:off x="0" y="0"/>
+          <a:ext cx="0" cy="0"/>
+          <a:chOff x="0" y="0"/>
+          <a:chExt cx="0" cy="0"/>
+        </a:xfrm>
+      </p:grpSpPr>
+      <p:sp>
+        <p:nvSpPr>
+          <p:cNvPr id="47" name="Google Shape;47;g80d73bad10_0_27:notes"/>
+          <p:cNvSpPr/>
+          <p:nvPr>
+            <p:ph type="sldImg" idx="2"/>
+          </p:nvPr>
+        </p:nvSpPr>
+        <p:spPr>
+          <a:xfrm>
+            <a:off x="381300" y="685800"/>
+            <a:ext cx="6096000" cy="3429000"/>
+          </a:xfrm>
+          <a:custGeom>
+            <a:avLst/>
+            <a:gdLst/>
+            <a:ahLst/>
+            <a:cxnLst/>
+            <a:rect l="l" t="t" r="r" b="b"/>
+            <a:pathLst>
+              <a:path w="120000" h="120000" extrusionOk="0">
+                <a:moveTo>
+                  <a:pt x="0" y="0"/>
+                </a:moveTo>
+                <a:lnTo>
+                  <a:pt x="120000" y="0"/>
+                </a:lnTo>
+                <a:lnTo>
+                  <a:pt x="120000" y="120000"/>
+                </a:lnTo>
+                <a:lnTo>
+                  <a:pt x="0" y="120000"/>
+                </a:lnTo>
+                <a:close/>
+              </a:path>
+            </a:pathLst>
+          </a:custGeom>
+        </p:spPr>
+      </p:sp>
+      <p:sp>
+        <p:nvSpPr>
+          <p:cNvPr id="48" name="Google Shape;48;g80d73bad10_0_27:notes"/>
+          <p:cNvSpPr txBox="1"/>
+          <p:nvPr>
+            <p:ph type="body" idx="1"/>
+          </p:nvPr>
+        </p:nvSpPr>
+        <p:spPr>
+          <a:xfrm>
+            <a:off x="685800" y="4343400"/>
+            <a:ext cx="5486400" cy="4114800"/>
+          </a:xfrm>
+          <a:prstGeom prst="rect">
+            <a:avLst/>
+          </a:prstGeom>
+        </p:spPr>
+        <p:txBody>
+          <a:bodyPr spcFirstLastPara="1" wrap="square" lIns="91425" tIns="91425" rIns="91425" bIns="91425" anchor="t" anchorCtr="0">
+            <a:noAutofit/>
+          </a:bodyPr>
+          <a:lstStyle/>
+          <a:p>
+            <a:pPr marL="0" lvl="0" indent="0" algn="l" rtl="0">
+              <a:spcBef>
+                <a:spcPts val="0"/>
+              </a:spcBef>
+              <a:spcAft>
+                <a:spcPts val="0"/>
+              </a:spcAft>
+              <a:buNone/>
+            </a:pPr>
+          </a:p>
+        </p:txBody>
+      </p:sp>
+    </p:spTree>
+  </p:cSld>
+  <p:clrMapOvr>
+    <a:masterClrMapping/>
+  </p:clrMapOvr>
+</p:notes>
+</file>
+
+<file path=ppt/notesSlides/notesSlide15.xml><?xml version="1.0" encoding="utf-8"?>
+<p:notes xmlns:a="http://schemas.openxmlformats.org/drawingml/2006/main" xmlns:r="http://schemas.openxmlformats.org/officeDocument/2006/relationships" xmlns:p="http://schemas.openxmlformats.org/presentationml/2006/main" showMasterPhAnim="0" showMasterSp="0">
+  <p:cSld>
+    <p:spTree>
+      <p:nvGrpSpPr>
+        <p:cNvPr id="46" name="Shape 46"/>
+        <p:cNvGrpSpPr/>
+        <p:nvPr/>
+      </p:nvGrpSpPr>
+      <p:grpSpPr>
+        <a:xfrm>
+          <a:off x="0" y="0"/>
+          <a:ext cx="0" cy="0"/>
+          <a:chOff x="0" y="0"/>
+          <a:chExt cx="0" cy="0"/>
+        </a:xfrm>
+      </p:grpSpPr>
+      <p:sp>
+        <p:nvSpPr>
+          <p:cNvPr id="47" name="Google Shape;47;g80d73bad10_0_27:notes"/>
+          <p:cNvSpPr/>
+          <p:nvPr>
+            <p:ph type="sldImg" idx="2"/>
+          </p:nvPr>
+        </p:nvSpPr>
+        <p:spPr>
+          <a:xfrm>
+            <a:off x="381300" y="685800"/>
+            <a:ext cx="6096000" cy="3429000"/>
+          </a:xfrm>
+          <a:custGeom>
+            <a:avLst/>
+            <a:gdLst/>
+            <a:ahLst/>
+            <a:cxnLst/>
+            <a:rect l="l" t="t" r="r" b="b"/>
+            <a:pathLst>
+              <a:path w="120000" h="120000" extrusionOk="0">
+                <a:moveTo>
+                  <a:pt x="0" y="0"/>
+                </a:moveTo>
+                <a:lnTo>
+                  <a:pt x="120000" y="0"/>
+                </a:lnTo>
+                <a:lnTo>
+                  <a:pt x="120000" y="120000"/>
+                </a:lnTo>
+                <a:lnTo>
+                  <a:pt x="0" y="120000"/>
+                </a:lnTo>
+                <a:close/>
+              </a:path>
+            </a:pathLst>
+          </a:custGeom>
+        </p:spPr>
+      </p:sp>
+      <p:sp>
+        <p:nvSpPr>
+          <p:cNvPr id="48" name="Google Shape;48;g80d73bad10_0_27:notes"/>
+          <p:cNvSpPr txBox="1"/>
+          <p:nvPr>
+            <p:ph type="body" idx="1"/>
+          </p:nvPr>
+        </p:nvSpPr>
+        <p:spPr>
+          <a:xfrm>
+            <a:off x="685800" y="4343400"/>
+            <a:ext cx="5486400" cy="4114800"/>
+          </a:xfrm>
+          <a:prstGeom prst="rect">
+            <a:avLst/>
+          </a:prstGeom>
+        </p:spPr>
+        <p:txBody>
+          <a:bodyPr spcFirstLastPara="1" wrap="square" lIns="91425" tIns="91425" rIns="91425" bIns="91425" anchor="t" anchorCtr="0">
+            <a:noAutofit/>
+          </a:bodyPr>
+          <a:lstStyle/>
+          <a:p>
+            <a:pPr marL="0" lvl="0" indent="0" algn="l" rtl="0">
+              <a:spcBef>
+                <a:spcPts val="0"/>
+              </a:spcBef>
+              <a:spcAft>
+                <a:spcPts val="0"/>
+              </a:spcAft>
+              <a:buNone/>
+            </a:pPr>
+          </a:p>
+        </p:txBody>
+      </p:sp>
+    </p:spTree>
+  </p:cSld>
+  <p:clrMapOvr>
+    <a:masterClrMapping/>
+  </p:clrMapOvr>
+</p:notes>
+</file>
+
+<file path=ppt/notesSlides/notesSlide16.xml><?xml version="1.0" encoding="utf-8"?>
+<p:notes xmlns:a="http://schemas.openxmlformats.org/drawingml/2006/main" xmlns:r="http://schemas.openxmlformats.org/officeDocument/2006/relationships" xmlns:p="http://schemas.openxmlformats.org/presentationml/2006/main" showMasterPhAnim="0" showMasterSp="0">
+  <p:cSld>
+    <p:spTree>
+      <p:nvGrpSpPr>
+        <p:cNvPr id="46" name="Shape 46"/>
+        <p:cNvGrpSpPr/>
+        <p:nvPr/>
+      </p:nvGrpSpPr>
+      <p:grpSpPr>
+        <a:xfrm>
+          <a:off x="0" y="0"/>
+          <a:ext cx="0" cy="0"/>
+          <a:chOff x="0" y="0"/>
+          <a:chExt cx="0" cy="0"/>
+        </a:xfrm>
+      </p:grpSpPr>
+      <p:sp>
+        <p:nvSpPr>
+          <p:cNvPr id="47" name="Google Shape;47;g80d73bad10_0_27:notes"/>
+          <p:cNvSpPr/>
+          <p:nvPr>
+            <p:ph type="sldImg" idx="2"/>
+          </p:nvPr>
+        </p:nvSpPr>
+        <p:spPr>
+          <a:xfrm>
+            <a:off x="381300" y="685800"/>
+            <a:ext cx="6096000" cy="3429000"/>
+          </a:xfrm>
+          <a:custGeom>
+            <a:avLst/>
+            <a:gdLst/>
+            <a:ahLst/>
+            <a:cxnLst/>
+            <a:rect l="l" t="t" r="r" b="b"/>
+            <a:pathLst>
+              <a:path w="120000" h="120000" extrusionOk="0">
+                <a:moveTo>
+                  <a:pt x="0" y="0"/>
+                </a:moveTo>
+                <a:lnTo>
+                  <a:pt x="120000" y="0"/>
+                </a:lnTo>
+                <a:lnTo>
+                  <a:pt x="120000" y="120000"/>
+                </a:lnTo>
+                <a:lnTo>
+                  <a:pt x="0" y="120000"/>
+                </a:lnTo>
+                <a:close/>
+              </a:path>
+            </a:pathLst>
+          </a:custGeom>
+        </p:spPr>
+      </p:sp>
+      <p:sp>
+        <p:nvSpPr>
+          <p:cNvPr id="48" name="Google Shape;48;g80d73bad10_0_27:notes"/>
+          <p:cNvSpPr txBox="1"/>
+          <p:nvPr>
+            <p:ph type="body" idx="1"/>
+          </p:nvPr>
+        </p:nvSpPr>
+        <p:spPr>
+          <a:xfrm>
+            <a:off x="685800" y="4343400"/>
+            <a:ext cx="5486400" cy="4114800"/>
+          </a:xfrm>
+          <a:prstGeom prst="rect">
+            <a:avLst/>
+          </a:prstGeom>
+        </p:spPr>
+        <p:txBody>
+          <a:bodyPr spcFirstLastPara="1" wrap="square" lIns="91425" tIns="91425" rIns="91425" bIns="91425" anchor="t" anchorCtr="0">
+            <a:noAutofit/>
+          </a:bodyPr>
+          <a:lstStyle/>
+          <a:p>
+            <a:pPr marL="0" lvl="0" indent="0" algn="l" rtl="0">
+              <a:spcBef>
+                <a:spcPts val="0"/>
+              </a:spcBef>
+              <a:spcAft>
+                <a:spcPts val="0"/>
+              </a:spcAft>
+              <a:buNone/>
+            </a:pPr>
+          </a:p>
+        </p:txBody>
+      </p:sp>
+    </p:spTree>
+  </p:cSld>
+  <p:clrMapOvr>
+    <a:masterClrMapping/>
+  </p:clrMapOvr>
+</p:notes>
+</file>
+
+<file path=ppt/notesSlides/notesSlide17.xml><?xml version="1.0" encoding="utf-8"?>
 <p:notes xmlns:a="http://schemas.openxmlformats.org/drawingml/2006/main" xmlns:r="http://schemas.openxmlformats.org/officeDocument/2006/relationships" xmlns:p="http://schemas.openxmlformats.org/presentationml/2006/main" showMasterPhAnim="0" showMasterSp="0">
   <p:cSld>
     <p:spTree>
@@ -3558,7 +4058,12 @@
           <a:prstGeom prst="rect">
             <a:avLst/>
           </a:prstGeom>
-          <a:noFill/>
+          <a:solidFill>
+            <a:schemeClr val="accent4">
+              <a:lumMod val="20000"/>
+              <a:lumOff val="80000"/>
+            </a:schemeClr>
+          </a:solidFill>
         </p:spPr>
         <p:txBody>
           <a:bodyPr wrap="square" rtlCol="0">
@@ -3571,7 +4076,7 @@
             </a:pPr>
             <a:r>
               <a:rPr lang="en-US"/>
-              <a:t>rc_lock mask is enable (script args)</a:t>
+              <a:t>rc_lock mask in script args is enable (script args)</a:t>
             </a:r>
             <a:endParaRPr lang="en-US"/>
           </a:p>
@@ -3614,6 +4119,148 @@
               <a:buChar char="•"/>
             </a:pPr>
             <a:endParaRPr lang="en-US"/>
+          </a:p>
+        </p:txBody>
+      </p:sp>
+      <p:sp>
+        <p:nvSpPr>
+          <p:cNvPr id="8" name="Text Box 7"/>
+          <p:cNvSpPr txBox="1"/>
+          <p:nvPr/>
+        </p:nvSpPr>
+        <p:spPr>
+          <a:xfrm>
+            <a:off x="4923790" y="2896870"/>
+            <a:ext cx="3897630" cy="1814830"/>
+          </a:xfrm>
+          <a:prstGeom prst="rect">
+            <a:avLst/>
+          </a:prstGeom>
+          <a:solidFill>
+            <a:schemeClr val="accent4">
+              <a:lumMod val="60000"/>
+              <a:lumOff val="40000"/>
+            </a:schemeClr>
+          </a:solidFill>
+        </p:spPr>
+        <p:txBody>
+          <a:bodyPr wrap="square" rtlCol="0">
+            <a:spAutoFit/>
+          </a:bodyPr>
+          <a:p>
+            <a:pPr marL="285750" indent="-285750">
+              <a:buFont typeface="Wingdings" panose="05000000000000000000" charset="0"/>
+              <a:buChar char=""/>
+            </a:pPr>
+            <a:r>
+              <a:rPr lang="en-US"/>
+              <a:t>Unlock via owner's public key hash</a:t>
+            </a:r>
+            <a:endParaRPr lang="en-US"/>
+          </a:p>
+          <a:p>
+            <a:pPr marL="285750" indent="-285750">
+              <a:buFont typeface="Wingdings" panose="05000000000000000000" charset="0"/>
+              <a:buChar char=""/>
+            </a:pPr>
+            <a:r>
+              <a:rPr lang="en-US"/>
+              <a:t>Unlock via owner's lock script hash</a:t>
+            </a:r>
+            <a:endParaRPr lang="en-US"/>
+          </a:p>
+          <a:p>
+            <a:pPr marL="285750" indent="-285750">
+              <a:buFont typeface="Wingdings" panose="05000000000000000000" charset="0"/>
+              <a:buChar char=""/>
+            </a:pPr>
+            <a:r>
+              <a:rPr lang="en-US"/>
+              <a:t>Unlock via administrator's public key hash</a:t>
+            </a:r>
+            <a:endParaRPr lang="en-US"/>
+          </a:p>
+          <a:p>
+            <a:pPr marL="285750" indent="-285750">
+              <a:buFont typeface="Wingdings" panose="05000000000000000000" charset="0"/>
+              <a:buChar char=""/>
+            </a:pPr>
+            <a:r>
+              <a:rPr lang="en-US"/>
+              <a:t>Unlock via administrator's lock script hash</a:t>
+            </a:r>
+            <a:endParaRPr lang="en-US"/>
+          </a:p>
+          <a:p>
+            <a:pPr marL="285750" indent="-285750">
+              <a:buFont typeface="Wingdings" panose="05000000000000000000" charset="0"/>
+              <a:buChar char=""/>
+            </a:pPr>
+            <a:r>
+              <a:rPr lang="en-US"/>
+              <a:t>Unlock via anyone-can-pay</a:t>
+            </a:r>
+            <a:endParaRPr lang="en-US"/>
+          </a:p>
+          <a:p>
+            <a:pPr marL="285750" indent="-285750">
+              <a:buFont typeface="Wingdings" panose="05000000000000000000" charset="0"/>
+              <a:buChar char=""/>
+            </a:pPr>
+            <a:r>
+              <a:rPr lang="en-US"/>
+              <a:t>Unlock via dynamic linking</a:t>
+            </a:r>
+            <a:endParaRPr lang="en-US"/>
+          </a:p>
+          <a:p>
+            <a:pPr marL="285750" indent="-285750">
+              <a:buFont typeface="Wingdings" panose="05000000000000000000" charset="0"/>
+              <a:buChar char=""/>
+            </a:pPr>
+            <a:r>
+              <a:rPr lang="en-US"/>
+              <a:t>Unlock via exec</a:t>
+            </a:r>
+            <a:endParaRPr lang="en-US"/>
+          </a:p>
+          <a:p>
+            <a:endParaRPr lang="en-US"/>
+          </a:p>
+        </p:txBody>
+      </p:sp>
+      <p:sp>
+        <p:nvSpPr>
+          <p:cNvPr id="9" name="Text Box 8"/>
+          <p:cNvSpPr txBox="1"/>
+          <p:nvPr/>
+        </p:nvSpPr>
+        <p:spPr>
+          <a:xfrm>
+            <a:off x="5755640" y="2466340"/>
+            <a:ext cx="2675255" cy="306705"/>
+          </a:xfrm>
+          <a:prstGeom prst="rect">
+            <a:avLst/>
+          </a:prstGeom>
+          <a:noFill/>
+        </p:spPr>
+        <p:txBody>
+          <a:bodyPr wrap="square" rtlCol="0">
+            <a:spAutoFit/>
+          </a:bodyPr>
+          <a:p>
+            <a:r>
+              <a:rPr lang="en-US" b="1">
+                <a:latin typeface="Arial Bold" panose="020B0604020202090204" charset="0"/>
+                <a:cs typeface="Arial Bold" panose="020B0604020202090204" charset="0"/>
+              </a:rPr>
+              <a:t>Unlocking methods</a:t>
+            </a:r>
+            <a:endParaRPr lang="en-US" b="1">
+              <a:latin typeface="Arial Bold" panose="020B0604020202090204" charset="0"/>
+              <a:cs typeface="Arial Bold" panose="020B0604020202090204" charset="0"/>
+            </a:endParaRPr>
           </a:p>
         </p:txBody>
       </p:sp>
@@ -3754,7 +4401,7 @@
         </p:nvSpPr>
         <p:spPr>
           <a:xfrm>
-            <a:off x="721995" y="1474470"/>
+            <a:off x="721995" y="1481455"/>
             <a:ext cx="6633210" cy="1599565"/>
           </a:xfrm>
           <a:prstGeom prst="rect">
@@ -3793,7 +4440,7 @@
             </a:pPr>
             <a:r>
               <a:rPr lang="en-US">
-                <a:hlinkClick r:id="rId1" tooltip="" action="ppaction://hlinkfile"/>
+                <a:hlinkClick r:id="rId1" action="ppaction://hlinkfile"/>
               </a:rPr>
               <a:t>Taproot Lock Spec</a:t>
             </a:r>
@@ -3814,13 +4461,13 @@
             </a:r>
             <a:r>
               <a:rPr lang="en-US">
-                <a:hlinkClick r:id="rId2" tooltip="" action="ppaction://hlinkfile"/>
+                <a:hlinkClick r:id="rId2" action="ppaction://hlinkfile"/>
               </a:rPr>
               <a:t>MAST</a:t>
             </a:r>
             <a:r>
               <a:rPr lang="en-US"/>
-              <a:t>(Merkelized Abstract Syntax Tree) with our SMT.</a:t>
+              <a:t>(Merkelized Abstract Syntax Tree) with CKB SMT.</a:t>
             </a:r>
             <a:endParaRPr lang="en-US"/>
           </a:p>
@@ -3856,6 +4503,2044 @@
 </file>
 
 <file path=ppt/slides/slide12.xml><?xml version="1.0" encoding="utf-8"?>
+<p:sld xmlns:a="http://schemas.openxmlformats.org/drawingml/2006/main" xmlns:r="http://schemas.openxmlformats.org/officeDocument/2006/relationships" xmlns:p="http://schemas.openxmlformats.org/presentationml/2006/main">
+  <p:cSld>
+    <p:spTree>
+      <p:nvGrpSpPr>
+        <p:cNvPr id="49" name="Shape 49"/>
+        <p:cNvGrpSpPr/>
+        <p:nvPr/>
+      </p:nvGrpSpPr>
+      <p:grpSpPr>
+        <a:xfrm>
+          <a:off x="0" y="0"/>
+          <a:ext cx="0" cy="0"/>
+          <a:chOff x="0" y="0"/>
+          <a:chExt cx="0" cy="0"/>
+        </a:xfrm>
+      </p:grpSpPr>
+      <p:sp>
+        <p:nvSpPr>
+          <p:cNvPr id="40" name="Google Shape;40;p9"/>
+          <p:cNvSpPr txBox="1"/>
+          <p:nvPr/>
+        </p:nvSpPr>
+        <p:spPr>
+          <a:xfrm>
+            <a:off x="721995" y="384493"/>
+            <a:ext cx="7203440" cy="861695"/>
+          </a:xfrm>
+          <a:prstGeom prst="rect">
+            <a:avLst/>
+          </a:prstGeom>
+          <a:noFill/>
+          <a:ln>
+            <a:noFill/>
+          </a:ln>
+        </p:spPr>
+        <p:txBody>
+          <a:bodyPr spcFirstLastPara="1" wrap="square" lIns="0" tIns="0" rIns="0" bIns="0" anchor="ctr" anchorCtr="0">
+            <a:spAutoFit/>
+          </a:bodyPr>
+          <a:p>
+            <a:pPr marL="0" lvl="0" indent="0" algn="l" rtl="0" fontAlgn="t">
+              <a:spcBef>
+                <a:spcPts val="0"/>
+              </a:spcBef>
+              <a:spcAft>
+                <a:spcPts val="0"/>
+              </a:spcAft>
+              <a:buNone/>
+            </a:pPr>
+            <a:r>
+              <a:rPr lang="en-US" sz="2800" kern="100" spc="100">
+                <a:solidFill>
+                  <a:srgbClr val="EF190F"/>
+                </a:solidFill>
+                <a:uFillTx/>
+                <a:latin typeface="Noto Sans SC Black" panose="020B0A00000000000000" charset="-122"/>
+                <a:ea typeface="Montserrat" panose="00000300000000000000"/>
+                <a:cs typeface="Noto Sans SC Black" panose="020B0A00000000000000" charset="-122"/>
+                <a:sym typeface="Montserrat" panose="00000300000000000000"/>
+              </a:rPr>
+              <a:t>Taproot Unlock Method: </a:t>
+            </a:r>
+            <a:endParaRPr lang="en-US" sz="2800" kern="100" spc="100">
+              <a:solidFill>
+                <a:srgbClr val="EF190F"/>
+              </a:solidFill>
+              <a:uFillTx/>
+              <a:latin typeface="Noto Sans SC Black" panose="020B0A00000000000000" charset="-122"/>
+              <a:ea typeface="Montserrat" panose="00000300000000000000"/>
+              <a:cs typeface="Noto Sans SC Black" panose="020B0A00000000000000" charset="-122"/>
+              <a:sym typeface="Montserrat" panose="00000300000000000000"/>
+            </a:endParaRPr>
+          </a:p>
+          <a:p>
+            <a:pPr marL="0" lvl="0" indent="0" algn="l" rtl="0" fontAlgn="t">
+              <a:spcBef>
+                <a:spcPts val="0"/>
+              </a:spcBef>
+              <a:spcAft>
+                <a:spcPts val="0"/>
+              </a:spcAft>
+              <a:buNone/>
+            </a:pPr>
+            <a:r>
+              <a:rPr lang="en-US" sz="2800" kern="100" spc="100">
+                <a:solidFill>
+                  <a:srgbClr val="EF190F"/>
+                </a:solidFill>
+                <a:uFillTx/>
+                <a:latin typeface="Noto Sans SC Black" panose="020B0A00000000000000" charset="-122"/>
+                <a:ea typeface="Montserrat" panose="00000300000000000000"/>
+                <a:cs typeface="Noto Sans SC Black" panose="020B0A00000000000000" charset="-122"/>
+                <a:sym typeface="Montserrat" panose="00000300000000000000"/>
+              </a:rPr>
+              <a:t>Key Path Spending</a:t>
+            </a:r>
+            <a:endParaRPr lang="en-US" sz="2800" kern="100" spc="100">
+              <a:solidFill>
+                <a:srgbClr val="EF190F"/>
+              </a:solidFill>
+              <a:uFillTx/>
+              <a:latin typeface="Noto Sans SC Black" panose="020B0A00000000000000" charset="-122"/>
+              <a:ea typeface="Montserrat" panose="00000300000000000000"/>
+              <a:cs typeface="Noto Sans SC Black" panose="020B0A00000000000000" charset="-122"/>
+              <a:sym typeface="Montserrat" panose="00000300000000000000"/>
+            </a:endParaRPr>
+          </a:p>
+        </p:txBody>
+      </p:sp>
+      <p:sp>
+        <p:nvSpPr>
+          <p:cNvPr id="39" name="Google Shape;39;p9"/>
+          <p:cNvSpPr txBox="1"/>
+          <p:nvPr/>
+        </p:nvSpPr>
+        <p:spPr>
+          <a:xfrm>
+            <a:off x="8430975" y="4561225"/>
+            <a:ext cx="630900" cy="521700"/>
+          </a:xfrm>
+          <a:prstGeom prst="rect">
+            <a:avLst/>
+          </a:prstGeom>
+          <a:noFill/>
+          <a:ln>
+            <a:noFill/>
+          </a:ln>
+        </p:spPr>
+        <p:txBody>
+          <a:bodyPr spcFirstLastPara="1" wrap="square" lIns="91425" tIns="91425" rIns="91425" bIns="91425" anchor="t" anchorCtr="0">
+            <a:noAutofit/>
+          </a:bodyPr>
+          <a:p>
+            <a:pPr marL="0" lvl="0" indent="0" algn="l" rtl="0">
+              <a:spcBef>
+                <a:spcPts val="0"/>
+              </a:spcBef>
+              <a:spcAft>
+                <a:spcPts val="0"/>
+              </a:spcAft>
+              <a:buNone/>
+            </a:pPr>
+            <a:endParaRPr lang="en-US" sz="2700" b="1">
+              <a:solidFill>
+                <a:srgbClr val="B7B7B7"/>
+              </a:solidFill>
+              <a:latin typeface="Montserrat Bold" panose="00000300000000000000" charset="0"/>
+              <a:ea typeface="Noto Sans SC Bold" panose="020B0800000000000000" charset="-122"/>
+              <a:cs typeface="Montserrat Bold" panose="00000300000000000000" charset="0"/>
+              <a:sym typeface="Montserrat" panose="00000300000000000000"/>
+            </a:endParaRPr>
+          </a:p>
+        </p:txBody>
+      </p:sp>
+      <p:sp>
+        <p:nvSpPr>
+          <p:cNvPr id="2" name="Text Box 1"/>
+          <p:cNvSpPr txBox="1"/>
+          <p:nvPr/>
+        </p:nvSpPr>
+        <p:spPr>
+          <a:xfrm>
+            <a:off x="641350" y="1814195"/>
+            <a:ext cx="6014085" cy="737235"/>
+          </a:xfrm>
+          <a:prstGeom prst="rect">
+            <a:avLst/>
+          </a:prstGeom>
+          <a:solidFill>
+            <a:schemeClr val="accent4">
+              <a:lumMod val="20000"/>
+              <a:lumOff val="80000"/>
+            </a:schemeClr>
+          </a:solidFill>
+        </p:spPr>
+        <p:txBody>
+          <a:bodyPr wrap="square" rtlCol="0" anchor="t">
+            <a:spAutoFit/>
+          </a:bodyPr>
+          <a:p>
+            <a:pPr marL="0" indent="0">
+              <a:buFont typeface="Arial" panose="020B0604020202090204" pitchFamily="34" charset="0"/>
+              <a:buNone/>
+            </a:pPr>
+            <a:r>
+              <a:rPr lang="en-US"/>
+              <a:t>Identitcal to unlock method widely used in Bitcoin and CKB:</a:t>
+            </a:r>
+            <a:endParaRPr lang="en-US"/>
+          </a:p>
+          <a:p>
+            <a:pPr marL="0" indent="0">
+              <a:buFont typeface="Arial" panose="020B0604020202090204" pitchFamily="34" charset="0"/>
+              <a:buNone/>
+            </a:pPr>
+            <a:r>
+              <a:rPr lang="en-US"/>
+              <a:t>Replacing secp256k1 by Schnorr</a:t>
+            </a:r>
+            <a:endParaRPr lang="en-US"/>
+          </a:p>
+          <a:p>
+            <a:pPr marL="0" indent="0">
+              <a:buFont typeface="Arial" panose="020B0604020202090204" pitchFamily="34" charset="0"/>
+              <a:buNone/>
+            </a:pPr>
+            <a:endParaRPr lang="en-US"/>
+          </a:p>
+        </p:txBody>
+      </p:sp>
+    </p:spTree>
+  </p:cSld>
+  <p:clrMapOvr>
+    <a:masterClrMapping/>
+  </p:clrMapOvr>
+</p:sld>
+</file>
+
+<file path=ppt/slides/slide13.xml><?xml version="1.0" encoding="utf-8"?>
+<p:sld xmlns:a="http://schemas.openxmlformats.org/drawingml/2006/main" xmlns:r="http://schemas.openxmlformats.org/officeDocument/2006/relationships" xmlns:p="http://schemas.openxmlformats.org/presentationml/2006/main">
+  <p:cSld>
+    <p:spTree>
+      <p:nvGrpSpPr>
+        <p:cNvPr id="49" name="Shape 49"/>
+        <p:cNvGrpSpPr/>
+        <p:nvPr/>
+      </p:nvGrpSpPr>
+      <p:grpSpPr>
+        <a:xfrm>
+          <a:off x="0" y="0"/>
+          <a:ext cx="0" cy="0"/>
+          <a:chOff x="0" y="0"/>
+          <a:chExt cx="0" cy="0"/>
+        </a:xfrm>
+      </p:grpSpPr>
+      <p:sp>
+        <p:nvSpPr>
+          <p:cNvPr id="40" name="Google Shape;40;p9"/>
+          <p:cNvSpPr txBox="1"/>
+          <p:nvPr/>
+        </p:nvSpPr>
+        <p:spPr>
+          <a:xfrm>
+            <a:off x="721995" y="600075"/>
+            <a:ext cx="7203440" cy="430530"/>
+          </a:xfrm>
+          <a:prstGeom prst="rect">
+            <a:avLst/>
+          </a:prstGeom>
+          <a:noFill/>
+          <a:ln>
+            <a:noFill/>
+          </a:ln>
+        </p:spPr>
+        <p:txBody>
+          <a:bodyPr spcFirstLastPara="1" wrap="square" lIns="0" tIns="0" rIns="0" bIns="0" anchor="ctr" anchorCtr="0">
+            <a:spAutoFit/>
+          </a:bodyPr>
+          <a:p>
+            <a:pPr marL="0" lvl="0" indent="0" algn="l" rtl="0" fontAlgn="t">
+              <a:spcBef>
+                <a:spcPts val="0"/>
+              </a:spcBef>
+              <a:spcAft>
+                <a:spcPts val="0"/>
+              </a:spcAft>
+              <a:buNone/>
+            </a:pPr>
+            <a:r>
+              <a:rPr lang="en-US" sz="2800" kern="100" spc="100">
+                <a:solidFill>
+                  <a:srgbClr val="EF190F"/>
+                </a:solidFill>
+                <a:uFillTx/>
+                <a:latin typeface="Noto Sans SC Black" panose="020B0A00000000000000" charset="-122"/>
+                <a:ea typeface="Montserrat" panose="00000300000000000000"/>
+                <a:cs typeface="Noto Sans SC Black" panose="020B0A00000000000000" charset="-122"/>
+                <a:sym typeface="Montserrat" panose="00000300000000000000"/>
+              </a:rPr>
+              <a:t>Taproot Lock: Script Args</a:t>
+            </a:r>
+            <a:endParaRPr lang="en-US" sz="2800" kern="100" spc="100">
+              <a:solidFill>
+                <a:srgbClr val="EF190F"/>
+              </a:solidFill>
+              <a:uFillTx/>
+              <a:latin typeface="Noto Sans SC Black" panose="020B0A00000000000000" charset="-122"/>
+              <a:ea typeface="Montserrat" panose="00000300000000000000"/>
+              <a:cs typeface="Noto Sans SC Black" panose="020B0A00000000000000" charset="-122"/>
+              <a:sym typeface="Montserrat" panose="00000300000000000000"/>
+            </a:endParaRPr>
+          </a:p>
+        </p:txBody>
+      </p:sp>
+      <p:sp>
+        <p:nvSpPr>
+          <p:cNvPr id="39" name="Google Shape;39;p9"/>
+          <p:cNvSpPr txBox="1"/>
+          <p:nvPr/>
+        </p:nvSpPr>
+        <p:spPr>
+          <a:xfrm>
+            <a:off x="8430975" y="4561225"/>
+            <a:ext cx="630900" cy="521700"/>
+          </a:xfrm>
+          <a:prstGeom prst="rect">
+            <a:avLst/>
+          </a:prstGeom>
+          <a:noFill/>
+          <a:ln>
+            <a:noFill/>
+          </a:ln>
+        </p:spPr>
+        <p:txBody>
+          <a:bodyPr spcFirstLastPara="1" wrap="square" lIns="91425" tIns="91425" rIns="91425" bIns="91425" anchor="t" anchorCtr="0">
+            <a:noAutofit/>
+          </a:bodyPr>
+          <a:p>
+            <a:pPr marL="0" lvl="0" indent="0" algn="l" rtl="0">
+              <a:spcBef>
+                <a:spcPts val="0"/>
+              </a:spcBef>
+              <a:spcAft>
+                <a:spcPts val="0"/>
+              </a:spcAft>
+              <a:buNone/>
+            </a:pPr>
+            <a:endParaRPr lang="en-US" sz="2700" b="1">
+              <a:solidFill>
+                <a:srgbClr val="B7B7B7"/>
+              </a:solidFill>
+              <a:latin typeface="Montserrat Bold" panose="00000300000000000000" charset="0"/>
+              <a:ea typeface="Noto Sans SC Bold" panose="020B0800000000000000" charset="-122"/>
+              <a:cs typeface="Montserrat Bold" panose="00000300000000000000" charset="0"/>
+              <a:sym typeface="Montserrat" panose="00000300000000000000"/>
+            </a:endParaRPr>
+          </a:p>
+        </p:txBody>
+      </p:sp>
+      <p:graphicFrame>
+        <p:nvGraphicFramePr>
+          <p:cNvPr id="3" name="Table 2"/>
+          <p:cNvGraphicFramePr/>
+          <p:nvPr/>
+        </p:nvGraphicFramePr>
+        <p:xfrm>
+          <a:off x="721995" y="1645920"/>
+          <a:ext cx="6650355" cy="381000"/>
+        </p:xfrm>
+        <a:graphic>
+          <a:graphicData uri="http://schemas.openxmlformats.org/drawingml/2006/table">
+            <a:tbl>
+              <a:tblPr firstRow="1" bandRow="1">
+                <a:tableStyleId>{5C22544A-7EE6-4342-B048-85BDC9FD1C3A}</a:tableStyleId>
+              </a:tblPr>
+              <a:tblGrid>
+                <a:gridCol w="1316355"/>
+                <a:gridCol w="5334000"/>
+              </a:tblGrid>
+              <a:tr h="381000">
+                <a:tc>
+                  <a:txBody>
+                    <a:bodyPr/>
+                    <a:p>
+                      <a:pPr>
+                        <a:buNone/>
+                      </a:pPr>
+                      <a:r>
+                        <a:rPr lang="en-US"/>
+                        <a:t>flag: 1 byte</a:t>
+                      </a:r>
+                      <a:endParaRPr lang="en-US"/>
+                    </a:p>
+                  </a:txBody>
+                  <a:tcPr>
+                    <a:gradFill>
+                      <a:gsLst>
+                        <a:gs pos="0">
+                          <a:srgbClr val="9EE256"/>
+                        </a:gs>
+                        <a:gs pos="100000">
+                          <a:srgbClr val="52762D"/>
+                        </a:gs>
+                      </a:gsLst>
+                      <a:lin ang="5400000" scaled="0"/>
+                    </a:gradFill>
+                  </a:tcPr>
+                </a:tc>
+                <a:tc>
+                  <a:txBody>
+                    <a:bodyPr/>
+                    <a:p>
+                      <a:pPr>
+                        <a:buNone/>
+                      </a:pPr>
+                      <a:r>
+                        <a:rPr lang="en-US"/>
+                        <a:t>identity content: 20 bytes </a:t>
+                      </a:r>
+                      <a:endParaRPr lang="en-US"/>
+                    </a:p>
+                  </a:txBody>
+                  <a:tcPr/>
+                </a:tc>
+              </a:tr>
+            </a:tbl>
+          </a:graphicData>
+        </a:graphic>
+      </p:graphicFrame>
+      <p:sp>
+        <p:nvSpPr>
+          <p:cNvPr id="5" name="Text Box 4"/>
+          <p:cNvSpPr txBox="1"/>
+          <p:nvPr/>
+        </p:nvSpPr>
+        <p:spPr>
+          <a:xfrm>
+            <a:off x="2343785" y="2418080"/>
+            <a:ext cx="4455795" cy="306705"/>
+          </a:xfrm>
+          <a:prstGeom prst="rect">
+            <a:avLst/>
+          </a:prstGeom>
+          <a:noFill/>
+        </p:spPr>
+        <p:txBody>
+          <a:bodyPr wrap="square" rtlCol="0">
+            <a:spAutoFit/>
+          </a:bodyPr>
+          <a:p>
+            <a:r>
+              <a:rPr lang="en-US"/>
+              <a:t>blake160 hash of taproot output key</a:t>
+            </a:r>
+            <a:endParaRPr lang="en-US"/>
+          </a:p>
+        </p:txBody>
+      </p:sp>
+      <p:sp>
+        <p:nvSpPr>
+          <p:cNvPr id="6" name="Down Arrow 5"/>
+          <p:cNvSpPr/>
+          <p:nvPr/>
+        </p:nvSpPr>
+        <p:spPr>
+          <a:xfrm>
+            <a:off x="3778885" y="2027555"/>
+            <a:ext cx="343535" cy="454660"/>
+          </a:xfrm>
+          <a:prstGeom prst="downArrow">
+            <a:avLst/>
+          </a:prstGeom>
+        </p:spPr>
+        <p:style>
+          <a:lnRef idx="2">
+            <a:schemeClr val="accent1">
+              <a:shade val="50000"/>
+            </a:schemeClr>
+          </a:lnRef>
+          <a:fillRef idx="1">
+            <a:schemeClr val="accent1"/>
+          </a:fillRef>
+          <a:effectRef idx="0">
+            <a:schemeClr val="accent1"/>
+          </a:effectRef>
+          <a:fontRef idx="minor">
+            <a:schemeClr val="lt1"/>
+          </a:fontRef>
+        </p:style>
+        <p:txBody>
+          <a:bodyPr rtlCol="0" anchor="ctr"/>
+          <a:p>
+            <a:pPr algn="ctr"/>
+            <a:endParaRPr lang="en-US"/>
+          </a:p>
+        </p:txBody>
+      </p:sp>
+    </p:spTree>
+  </p:cSld>
+  <p:clrMapOvr>
+    <a:masterClrMapping/>
+  </p:clrMapOvr>
+</p:sld>
+</file>
+
+<file path=ppt/slides/slide14.xml><?xml version="1.0" encoding="utf-8"?>
+<p:sld xmlns:a="http://schemas.openxmlformats.org/drawingml/2006/main" xmlns:r="http://schemas.openxmlformats.org/officeDocument/2006/relationships" xmlns:p="http://schemas.openxmlformats.org/presentationml/2006/main">
+  <p:cSld>
+    <p:spTree>
+      <p:nvGrpSpPr>
+        <p:cNvPr id="49" name="Shape 49"/>
+        <p:cNvGrpSpPr/>
+        <p:nvPr/>
+      </p:nvGrpSpPr>
+      <p:grpSpPr>
+        <a:xfrm>
+          <a:off x="0" y="0"/>
+          <a:ext cx="0" cy="0"/>
+          <a:chOff x="0" y="0"/>
+          <a:chExt cx="0" cy="0"/>
+        </a:xfrm>
+      </p:grpSpPr>
+      <p:sp>
+        <p:nvSpPr>
+          <p:cNvPr id="40" name="Google Shape;40;p9"/>
+          <p:cNvSpPr txBox="1"/>
+          <p:nvPr/>
+        </p:nvSpPr>
+        <p:spPr>
+          <a:xfrm>
+            <a:off x="721995" y="600075"/>
+            <a:ext cx="7203440" cy="430530"/>
+          </a:xfrm>
+          <a:prstGeom prst="rect">
+            <a:avLst/>
+          </a:prstGeom>
+          <a:noFill/>
+          <a:ln>
+            <a:noFill/>
+          </a:ln>
+        </p:spPr>
+        <p:txBody>
+          <a:bodyPr spcFirstLastPara="1" wrap="square" lIns="0" tIns="0" rIns="0" bIns="0" anchor="ctr" anchorCtr="0">
+            <a:spAutoFit/>
+          </a:bodyPr>
+          <a:p>
+            <a:pPr marL="0" lvl="0" indent="0" algn="l" rtl="0" fontAlgn="t">
+              <a:spcBef>
+                <a:spcPts val="0"/>
+              </a:spcBef>
+              <a:spcAft>
+                <a:spcPts val="0"/>
+              </a:spcAft>
+              <a:buNone/>
+            </a:pPr>
+            <a:r>
+              <a:rPr lang="en-US" sz="2800" kern="100" spc="100">
+                <a:solidFill>
+                  <a:srgbClr val="EF190F"/>
+                </a:solidFill>
+                <a:uFillTx/>
+                <a:latin typeface="Noto Sans SC Black" panose="020B0A00000000000000" charset="-122"/>
+                <a:ea typeface="Montserrat" panose="00000300000000000000"/>
+                <a:cs typeface="Noto Sans SC Black" panose="020B0A00000000000000" charset="-122"/>
+                <a:sym typeface="Montserrat" panose="00000300000000000000"/>
+              </a:rPr>
+              <a:t>Taproot Lock: Witness</a:t>
+            </a:r>
+            <a:endParaRPr lang="en-US" sz="2800" kern="100" spc="100">
+              <a:solidFill>
+                <a:srgbClr val="EF190F"/>
+              </a:solidFill>
+              <a:uFillTx/>
+              <a:latin typeface="Noto Sans SC Black" panose="020B0A00000000000000" charset="-122"/>
+              <a:ea typeface="Montserrat" panose="00000300000000000000"/>
+              <a:cs typeface="Noto Sans SC Black" panose="020B0A00000000000000" charset="-122"/>
+              <a:sym typeface="Montserrat" panose="00000300000000000000"/>
+            </a:endParaRPr>
+          </a:p>
+        </p:txBody>
+      </p:sp>
+      <p:sp>
+        <p:nvSpPr>
+          <p:cNvPr id="39" name="Google Shape;39;p9"/>
+          <p:cNvSpPr txBox="1"/>
+          <p:nvPr/>
+        </p:nvSpPr>
+        <p:spPr>
+          <a:xfrm>
+            <a:off x="8430975" y="4561225"/>
+            <a:ext cx="630900" cy="521700"/>
+          </a:xfrm>
+          <a:prstGeom prst="rect">
+            <a:avLst/>
+          </a:prstGeom>
+          <a:noFill/>
+          <a:ln>
+            <a:noFill/>
+          </a:ln>
+        </p:spPr>
+        <p:txBody>
+          <a:bodyPr spcFirstLastPara="1" wrap="square" lIns="91425" tIns="91425" rIns="91425" bIns="91425" anchor="t" anchorCtr="0">
+            <a:noAutofit/>
+          </a:bodyPr>
+          <a:p>
+            <a:pPr marL="0" lvl="0" indent="0" algn="l" rtl="0">
+              <a:spcBef>
+                <a:spcPts val="0"/>
+              </a:spcBef>
+              <a:spcAft>
+                <a:spcPts val="0"/>
+              </a:spcAft>
+              <a:buNone/>
+            </a:pPr>
+            <a:endParaRPr lang="en-US" sz="2700" b="1">
+              <a:solidFill>
+                <a:srgbClr val="B7B7B7"/>
+              </a:solidFill>
+              <a:latin typeface="Montserrat Bold" panose="00000300000000000000" charset="0"/>
+              <a:ea typeface="Noto Sans SC Bold" panose="020B0800000000000000" charset="-122"/>
+              <a:cs typeface="Montserrat Bold" panose="00000300000000000000" charset="0"/>
+              <a:sym typeface="Montserrat" panose="00000300000000000000"/>
+            </a:endParaRPr>
+          </a:p>
+        </p:txBody>
+      </p:sp>
+      <p:graphicFrame>
+        <p:nvGraphicFramePr>
+          <p:cNvPr id="1" name="Table 0"/>
+          <p:cNvGraphicFramePr/>
+          <p:nvPr/>
+        </p:nvGraphicFramePr>
+        <p:xfrm>
+          <a:off x="1193165" y="2596515"/>
+          <a:ext cx="6179185" cy="381000"/>
+        </p:xfrm>
+        <a:graphic>
+          <a:graphicData uri="http://schemas.openxmlformats.org/drawingml/2006/table">
+            <a:tbl>
+              <a:tblPr firstRow="1" bandRow="1">
+                <a:tableStyleId>{5C22544A-7EE6-4342-B048-85BDC9FD1C3A}</a:tableStyleId>
+              </a:tblPr>
+              <a:tblGrid>
+                <a:gridCol w="1979930"/>
+                <a:gridCol w="4199255"/>
+              </a:tblGrid>
+              <a:tr h="381000">
+                <a:tc>
+                  <a:txBody>
+                    <a:bodyPr/>
+                    <a:p>
+                      <a:pPr>
+                        <a:buNone/>
+                      </a:pPr>
+                      <a:r>
+                        <a:rPr lang="en-US"/>
+                        <a:t>signature</a:t>
+                      </a:r>
+                      <a:endParaRPr lang="en-US"/>
+                    </a:p>
+                  </a:txBody>
+                  <a:tcPr>
+                    <a:gradFill>
+                      <a:gsLst>
+                        <a:gs pos="0">
+                          <a:srgbClr val="9EE256"/>
+                        </a:gs>
+                        <a:gs pos="100000">
+                          <a:srgbClr val="52762D"/>
+                        </a:gs>
+                      </a:gsLst>
+                      <a:lin ang="5400000" scaled="0"/>
+                    </a:gradFill>
+                  </a:tcPr>
+                </a:tc>
+                <a:tc>
+                  <a:txBody>
+                    <a:bodyPr/>
+                    <a:p>
+                      <a:pPr>
+                        <a:buNone/>
+                      </a:pPr>
+                      <a:r>
+                        <a:rPr lang="en-US"/>
+                        <a:t>script_path</a:t>
+                      </a:r>
+                      <a:endParaRPr lang="en-US"/>
+                    </a:p>
+                  </a:txBody>
+                  <a:tcPr/>
+                </a:tc>
+              </a:tr>
+            </a:tbl>
+          </a:graphicData>
+        </a:graphic>
+      </p:graphicFrame>
+      <p:graphicFrame>
+        <p:nvGraphicFramePr>
+          <p:cNvPr id="2" name="Table 1"/>
+          <p:cNvGraphicFramePr/>
+          <p:nvPr/>
+        </p:nvGraphicFramePr>
+        <p:xfrm>
+          <a:off x="591820" y="3723005"/>
+          <a:ext cx="8001635" cy="731520"/>
+        </p:xfrm>
+        <a:graphic>
+          <a:graphicData uri="http://schemas.openxmlformats.org/drawingml/2006/table">
+            <a:tbl>
+              <a:tblPr firstRow="1" bandRow="1">
+                <a:tableStyleId>{5C22544A-7EE6-4342-B048-85BDC9FD1C3A}</a:tableStyleId>
+              </a:tblPr>
+              <a:tblGrid>
+                <a:gridCol w="974090"/>
+                <a:gridCol w="1171575"/>
+                <a:gridCol w="1170940"/>
+                <a:gridCol w="1171575"/>
+                <a:gridCol w="1170940"/>
+                <a:gridCol w="1171575"/>
+                <a:gridCol w="1170940"/>
+              </a:tblGrid>
+              <a:tr h="687070">
+                <a:tc>
+                  <a:txBody>
+                    <a:bodyPr/>
+                    <a:p>
+                      <a:pPr>
+                        <a:buNone/>
+                      </a:pPr>
+                      <a:r>
+                        <a:rPr lang="en-US"/>
+                        <a:t>taproot_</a:t>
+                      </a:r>
+                      <a:endParaRPr lang="en-US"/>
+                    </a:p>
+                    <a:p>
+                      <a:pPr>
+                        <a:buNone/>
+                      </a:pPr>
+                      <a:r>
+                        <a:rPr lang="en-US"/>
+                        <a:t>output_</a:t>
+                      </a:r>
+                      <a:endParaRPr lang="en-US"/>
+                    </a:p>
+                    <a:p>
+                      <a:pPr>
+                        <a:buNone/>
+                      </a:pPr>
+                      <a:r>
+                        <a:rPr lang="en-US"/>
+                        <a:t>key</a:t>
+                      </a:r>
+                      <a:endParaRPr lang="en-US"/>
+                    </a:p>
+                  </a:txBody>
+                  <a:tcPr/>
+                </a:tc>
+                <a:tc>
+                  <a:txBody>
+                    <a:bodyPr/>
+                    <a:p>
+                      <a:pPr>
+                        <a:buNone/>
+                      </a:pPr>
+                      <a:r>
+                        <a:rPr lang="en-US"/>
+                        <a:t>taproot_</a:t>
+                      </a:r>
+                      <a:endParaRPr lang="en-US"/>
+                    </a:p>
+                    <a:p>
+                      <a:pPr>
+                        <a:buNone/>
+                      </a:pPr>
+                      <a:r>
+                        <a:rPr lang="en-US"/>
+                        <a:t>internal_</a:t>
+                      </a:r>
+                      <a:endParaRPr lang="en-US"/>
+                    </a:p>
+                    <a:p>
+                      <a:pPr>
+                        <a:buNone/>
+                      </a:pPr>
+                      <a:r>
+                        <a:rPr lang="en-US"/>
+                        <a:t>key</a:t>
+                      </a:r>
+                      <a:endParaRPr lang="en-US"/>
+                    </a:p>
+                  </a:txBody>
+                  <a:tcPr/>
+                </a:tc>
+                <a:tc>
+                  <a:txBody>
+                    <a:bodyPr/>
+                    <a:p>
+                      <a:pPr>
+                        <a:buNone/>
+                      </a:pPr>
+                      <a:r>
+                        <a:rPr lang="en-US"/>
+                        <a:t>smt_root</a:t>
+                      </a:r>
+                      <a:endParaRPr lang="en-US"/>
+                    </a:p>
+                  </a:txBody>
+                  <a:tcPr/>
+                </a:tc>
+                <a:tc>
+                  <a:txBody>
+                    <a:bodyPr/>
+                    <a:p>
+                      <a:pPr>
+                        <a:buNone/>
+                      </a:pPr>
+                      <a:r>
+                        <a:rPr lang="en-US"/>
+                        <a:t>smt_proof</a:t>
+                      </a:r>
+                      <a:endParaRPr lang="en-US"/>
+                    </a:p>
+                  </a:txBody>
+                  <a:tcPr/>
+                </a:tc>
+                <a:tc>
+                  <a:txBody>
+                    <a:bodyPr/>
+                    <a:p>
+                      <a:pPr>
+                        <a:buNone/>
+                      </a:pPr>
+                      <a:r>
+                        <a:rPr lang="en-US"/>
+                        <a:t>y_parity</a:t>
+                      </a:r>
+                      <a:endParaRPr lang="en-US"/>
+                    </a:p>
+                  </a:txBody>
+                  <a:tcPr/>
+                </a:tc>
+                <a:tc>
+                  <a:txBody>
+                    <a:bodyPr/>
+                    <a:p>
+                      <a:pPr>
+                        <a:buNone/>
+                      </a:pPr>
+                      <a:r>
+                        <a:rPr lang="en-US"/>
+                        <a:t>exec_script</a:t>
+                      </a:r>
+                      <a:endParaRPr lang="en-US"/>
+                    </a:p>
+                  </a:txBody>
+                  <a:tcPr/>
+                </a:tc>
+                <a:tc>
+                  <a:txBody>
+                    <a:bodyPr/>
+                    <a:p>
+                      <a:pPr>
+                        <a:buNone/>
+                      </a:pPr>
+                      <a:r>
+                        <a:rPr lang="en-US"/>
+                        <a:t>args2</a:t>
+                      </a:r>
+                      <a:endParaRPr lang="en-US"/>
+                    </a:p>
+                  </a:txBody>
+                  <a:tcPr/>
+                </a:tc>
+              </a:tr>
+            </a:tbl>
+          </a:graphicData>
+        </a:graphic>
+      </p:graphicFrame>
+      <p:graphicFrame>
+        <p:nvGraphicFramePr>
+          <p:cNvPr id="7" name="Table 6"/>
+          <p:cNvGraphicFramePr/>
+          <p:nvPr/>
+        </p:nvGraphicFramePr>
+        <p:xfrm>
+          <a:off x="591820" y="1595120"/>
+          <a:ext cx="3948430" cy="305435"/>
+        </p:xfrm>
+        <a:graphic>
+          <a:graphicData uri="http://schemas.openxmlformats.org/drawingml/2006/table">
+            <a:tbl>
+              <a:tblPr firstRow="1" bandRow="1">
+                <a:tableStyleId>{5C22544A-7EE6-4342-B048-85BDC9FD1C3A}</a:tableStyleId>
+              </a:tblPr>
+              <a:tblGrid>
+                <a:gridCol w="1887220"/>
+                <a:gridCol w="2061210"/>
+              </a:tblGrid>
+              <a:tr h="305435">
+                <a:tc>
+                  <a:txBody>
+                    <a:bodyPr/>
+                    <a:p>
+                      <a:pPr>
+                        <a:buNone/>
+                      </a:pPr>
+                      <a:r>
+                        <a:rPr lang="en-US"/>
+                        <a:t>pubkey, 32 bytes</a:t>
+                      </a:r>
+                      <a:endParaRPr lang="en-US"/>
+                    </a:p>
+                  </a:txBody>
+                  <a:tcPr>
+                    <a:gradFill>
+                      <a:gsLst>
+                        <a:gs pos="0">
+                          <a:srgbClr val="9EE256"/>
+                        </a:gs>
+                        <a:gs pos="100000">
+                          <a:srgbClr val="52762D"/>
+                        </a:gs>
+                      </a:gsLst>
+                      <a:lin ang="5400000" scaled="0"/>
+                    </a:gradFill>
+                  </a:tcPr>
+                </a:tc>
+                <a:tc>
+                  <a:txBody>
+                    <a:bodyPr/>
+                    <a:p>
+                      <a:pPr>
+                        <a:buNone/>
+                      </a:pPr>
+                      <a:r>
+                        <a:rPr lang="en-US"/>
+                        <a:t>signature, 64 bytes</a:t>
+                      </a:r>
+                      <a:endParaRPr lang="en-US"/>
+                    </a:p>
+                  </a:txBody>
+                  <a:tcPr>
+                    <a:gradFill>
+                      <a:gsLst>
+                        <a:gs pos="0">
+                          <a:srgbClr val="9EE256"/>
+                        </a:gs>
+                        <a:gs pos="100000">
+                          <a:srgbClr val="52762D"/>
+                        </a:gs>
+                      </a:gsLst>
+                      <a:lin ang="5400000" scaled="0"/>
+                    </a:gradFill>
+                  </a:tcPr>
+                </a:tc>
+              </a:tr>
+            </a:tbl>
+          </a:graphicData>
+        </a:graphic>
+      </p:graphicFrame>
+      <p:sp>
+        <p:nvSpPr>
+          <p:cNvPr id="10" name="Text Box 9"/>
+          <p:cNvSpPr txBox="1"/>
+          <p:nvPr/>
+        </p:nvSpPr>
+        <p:spPr>
+          <a:xfrm>
+            <a:off x="4905375" y="2163445"/>
+            <a:ext cx="3429635" cy="306705"/>
+          </a:xfrm>
+          <a:prstGeom prst="rect">
+            <a:avLst/>
+          </a:prstGeom>
+          <a:noFill/>
+          <a:ln w="12700" cmpd="sng">
+            <a:solidFill>
+              <a:schemeClr val="accent1">
+                <a:shade val="50000"/>
+              </a:schemeClr>
+            </a:solidFill>
+            <a:prstDash val="sysDot"/>
+          </a:ln>
+        </p:spPr>
+        <p:txBody>
+          <a:bodyPr wrap="square" rtlCol="0">
+            <a:spAutoFit/>
+          </a:bodyPr>
+          <a:p>
+            <a:r>
+              <a:rPr lang="en-US"/>
+              <a:t>signature or script_path: choose one</a:t>
+            </a:r>
+            <a:endParaRPr lang="en-US"/>
+          </a:p>
+        </p:txBody>
+      </p:sp>
+      <p:sp>
+        <p:nvSpPr>
+          <p:cNvPr id="12" name="Down Arrow 11"/>
+          <p:cNvSpPr/>
+          <p:nvPr/>
+        </p:nvSpPr>
+        <p:spPr>
+          <a:xfrm>
+            <a:off x="4675505" y="2985135"/>
+            <a:ext cx="168275" cy="699770"/>
+          </a:xfrm>
+          <a:prstGeom prst="downArrow">
+            <a:avLst/>
+          </a:prstGeom>
+        </p:spPr>
+        <p:style>
+          <a:lnRef idx="2">
+            <a:schemeClr val="accent1">
+              <a:shade val="50000"/>
+            </a:schemeClr>
+          </a:lnRef>
+          <a:fillRef idx="1">
+            <a:schemeClr val="accent1"/>
+          </a:fillRef>
+          <a:effectRef idx="0">
+            <a:schemeClr val="accent1"/>
+          </a:effectRef>
+          <a:fontRef idx="minor">
+            <a:schemeClr val="lt1"/>
+          </a:fontRef>
+        </p:style>
+        <p:txBody>
+          <a:bodyPr rtlCol="0" anchor="ctr"/>
+          <a:p>
+            <a:pPr algn="ctr"/>
+            <a:endParaRPr lang="en-US"/>
+          </a:p>
+        </p:txBody>
+      </p:sp>
+      <p:sp>
+        <p:nvSpPr>
+          <p:cNvPr id="13" name="Up Arrow 12"/>
+          <p:cNvSpPr/>
+          <p:nvPr/>
+        </p:nvSpPr>
+        <p:spPr>
+          <a:xfrm>
+            <a:off x="2048510" y="1921510"/>
+            <a:ext cx="192405" cy="635000"/>
+          </a:xfrm>
+          <a:prstGeom prst="upArrow">
+            <a:avLst/>
+          </a:prstGeom>
+          <a:gradFill>
+            <a:gsLst>
+              <a:gs pos="0">
+                <a:srgbClr val="92D050"/>
+              </a:gs>
+              <a:gs pos="100000">
+                <a:srgbClr val="52762D"/>
+              </a:gs>
+            </a:gsLst>
+            <a:lin ang="5400000" scaled="0"/>
+          </a:gradFill>
+          <a:ln>
+            <a:solidFill>
+              <a:srgbClr val="92D050"/>
+            </a:solidFill>
+          </a:ln>
+        </p:spPr>
+        <p:style>
+          <a:lnRef idx="2">
+            <a:schemeClr val="accent1">
+              <a:shade val="50000"/>
+            </a:schemeClr>
+          </a:lnRef>
+          <a:fillRef idx="1">
+            <a:schemeClr val="accent1"/>
+          </a:fillRef>
+          <a:effectRef idx="0">
+            <a:schemeClr val="accent1"/>
+          </a:effectRef>
+          <a:fontRef idx="minor">
+            <a:schemeClr val="lt1"/>
+          </a:fontRef>
+        </p:style>
+        <p:txBody>
+          <a:bodyPr rtlCol="0" anchor="ctr"/>
+          <a:p>
+            <a:pPr algn="ctr"/>
+            <a:endParaRPr lang="en-US"/>
+          </a:p>
+        </p:txBody>
+      </p:sp>
+    </p:spTree>
+  </p:cSld>
+  <p:clrMapOvr>
+    <a:masterClrMapping/>
+  </p:clrMapOvr>
+</p:sld>
+</file>
+
+<file path=ppt/slides/slide15.xml><?xml version="1.0" encoding="utf-8"?>
+<p:sld xmlns:a="http://schemas.openxmlformats.org/drawingml/2006/main" xmlns:r="http://schemas.openxmlformats.org/officeDocument/2006/relationships" xmlns:p="http://schemas.openxmlformats.org/presentationml/2006/main">
+  <p:cSld>
+    <p:spTree>
+      <p:nvGrpSpPr>
+        <p:cNvPr id="49" name="Shape 49"/>
+        <p:cNvGrpSpPr/>
+        <p:nvPr/>
+      </p:nvGrpSpPr>
+      <p:grpSpPr>
+        <a:xfrm>
+          <a:off x="0" y="0"/>
+          <a:ext cx="0" cy="0"/>
+          <a:chOff x="0" y="0"/>
+          <a:chExt cx="0" cy="0"/>
+        </a:xfrm>
+      </p:grpSpPr>
+      <p:sp>
+        <p:nvSpPr>
+          <p:cNvPr id="40" name="Google Shape;40;p9"/>
+          <p:cNvSpPr txBox="1"/>
+          <p:nvPr/>
+        </p:nvSpPr>
+        <p:spPr>
+          <a:xfrm>
+            <a:off x="721995" y="384493"/>
+            <a:ext cx="7203440" cy="861695"/>
+          </a:xfrm>
+          <a:prstGeom prst="rect">
+            <a:avLst/>
+          </a:prstGeom>
+          <a:noFill/>
+          <a:ln>
+            <a:noFill/>
+          </a:ln>
+        </p:spPr>
+        <p:txBody>
+          <a:bodyPr spcFirstLastPara="1" wrap="square" lIns="0" tIns="0" rIns="0" bIns="0" anchor="ctr" anchorCtr="0">
+            <a:spAutoFit/>
+          </a:bodyPr>
+          <a:p>
+            <a:pPr marL="0" lvl="0" indent="0" algn="l" rtl="0" fontAlgn="t">
+              <a:spcBef>
+                <a:spcPts val="0"/>
+              </a:spcBef>
+              <a:spcAft>
+                <a:spcPts val="0"/>
+              </a:spcAft>
+              <a:buNone/>
+            </a:pPr>
+            <a:r>
+              <a:rPr lang="en-US" sz="2800" kern="100" spc="100">
+                <a:solidFill>
+                  <a:srgbClr val="EF190F"/>
+                </a:solidFill>
+                <a:uFillTx/>
+                <a:latin typeface="Noto Sans SC Black" panose="020B0A00000000000000" charset="-122"/>
+                <a:ea typeface="Montserrat" panose="00000300000000000000"/>
+                <a:cs typeface="Noto Sans SC Black" panose="020B0A00000000000000" charset="-122"/>
+                <a:sym typeface="Montserrat" panose="00000300000000000000"/>
+              </a:rPr>
+              <a:t>Taproot Unlock Method: </a:t>
+            </a:r>
+            <a:endParaRPr lang="en-US" sz="2800" kern="100" spc="100">
+              <a:solidFill>
+                <a:srgbClr val="EF190F"/>
+              </a:solidFill>
+              <a:uFillTx/>
+              <a:latin typeface="Noto Sans SC Black" panose="020B0A00000000000000" charset="-122"/>
+              <a:ea typeface="Montserrat" panose="00000300000000000000"/>
+              <a:cs typeface="Noto Sans SC Black" panose="020B0A00000000000000" charset="-122"/>
+              <a:sym typeface="Montserrat" panose="00000300000000000000"/>
+            </a:endParaRPr>
+          </a:p>
+          <a:p>
+            <a:pPr marL="0" lvl="0" indent="0" algn="l" rtl="0" fontAlgn="t">
+              <a:spcBef>
+                <a:spcPts val="0"/>
+              </a:spcBef>
+              <a:spcAft>
+                <a:spcPts val="0"/>
+              </a:spcAft>
+              <a:buNone/>
+            </a:pPr>
+            <a:r>
+              <a:rPr lang="en-US" sz="2800" kern="100" spc="100">
+                <a:solidFill>
+                  <a:srgbClr val="EF190F"/>
+                </a:solidFill>
+                <a:uFillTx/>
+                <a:latin typeface="Noto Sans SC Black" panose="020B0A00000000000000" charset="-122"/>
+                <a:ea typeface="Montserrat" panose="00000300000000000000"/>
+                <a:cs typeface="Noto Sans SC Black" panose="020B0A00000000000000" charset="-122"/>
+                <a:sym typeface="Montserrat" panose="00000300000000000000"/>
+              </a:rPr>
+              <a:t>Script Path Spending</a:t>
+            </a:r>
+            <a:endParaRPr lang="en-US" sz="2800" kern="100" spc="100">
+              <a:solidFill>
+                <a:srgbClr val="EF190F"/>
+              </a:solidFill>
+              <a:uFillTx/>
+              <a:latin typeface="Noto Sans SC Black" panose="020B0A00000000000000" charset="-122"/>
+              <a:ea typeface="Montserrat" panose="00000300000000000000"/>
+              <a:cs typeface="Noto Sans SC Black" panose="020B0A00000000000000" charset="-122"/>
+              <a:sym typeface="Montserrat" panose="00000300000000000000"/>
+            </a:endParaRPr>
+          </a:p>
+        </p:txBody>
+      </p:sp>
+      <p:sp>
+        <p:nvSpPr>
+          <p:cNvPr id="39" name="Google Shape;39;p9"/>
+          <p:cNvSpPr txBox="1"/>
+          <p:nvPr/>
+        </p:nvSpPr>
+        <p:spPr>
+          <a:xfrm>
+            <a:off x="8430975" y="4561225"/>
+            <a:ext cx="630900" cy="521700"/>
+          </a:xfrm>
+          <a:prstGeom prst="rect">
+            <a:avLst/>
+          </a:prstGeom>
+          <a:noFill/>
+          <a:ln>
+            <a:noFill/>
+          </a:ln>
+        </p:spPr>
+        <p:txBody>
+          <a:bodyPr spcFirstLastPara="1" wrap="square" lIns="91425" tIns="91425" rIns="91425" bIns="91425" anchor="t" anchorCtr="0">
+            <a:noAutofit/>
+          </a:bodyPr>
+          <a:p>
+            <a:pPr marL="0" lvl="0" indent="0" algn="l" rtl="0">
+              <a:spcBef>
+                <a:spcPts val="0"/>
+              </a:spcBef>
+              <a:spcAft>
+                <a:spcPts val="0"/>
+              </a:spcAft>
+              <a:buNone/>
+            </a:pPr>
+            <a:endParaRPr lang="en-US" sz="2700" b="1">
+              <a:solidFill>
+                <a:srgbClr val="B7B7B7"/>
+              </a:solidFill>
+              <a:latin typeface="Montserrat Bold" panose="00000300000000000000" charset="0"/>
+              <a:ea typeface="Noto Sans SC Bold" panose="020B0800000000000000" charset="-122"/>
+              <a:cs typeface="Montserrat Bold" panose="00000300000000000000" charset="0"/>
+              <a:sym typeface="Montserrat" panose="00000300000000000000"/>
+            </a:endParaRPr>
+          </a:p>
+        </p:txBody>
+      </p:sp>
+      <p:sp>
+        <p:nvSpPr>
+          <p:cNvPr id="2" name="Text Box 1"/>
+          <p:cNvSpPr txBox="1"/>
+          <p:nvPr/>
+        </p:nvSpPr>
+        <p:spPr>
+          <a:xfrm>
+            <a:off x="721995" y="1748155"/>
+            <a:ext cx="3850640" cy="306705"/>
+          </a:xfrm>
+          <a:prstGeom prst="rect">
+            <a:avLst/>
+          </a:prstGeom>
+          <a:solidFill>
+            <a:schemeClr val="accent4">
+              <a:lumMod val="60000"/>
+              <a:lumOff val="40000"/>
+            </a:schemeClr>
+          </a:solidFill>
+        </p:spPr>
+        <p:txBody>
+          <a:bodyPr wrap="square" rtlCol="0" anchor="t">
+            <a:spAutoFit/>
+          </a:bodyPr>
+          <a:p>
+            <a:pPr marL="0" indent="0">
+              <a:buFont typeface="Arial" panose="020B0604020202090204" pitchFamily="34" charset="0"/>
+              <a:buNone/>
+            </a:pPr>
+            <a:r>
+              <a:rPr lang="en-US"/>
+              <a:t>ckb_tagged_hash(tag, x) = blake2b(tag || x)</a:t>
+            </a:r>
+            <a:endParaRPr lang="en-US"/>
+          </a:p>
+        </p:txBody>
+      </p:sp>
+      <p:sp>
+        <p:nvSpPr>
+          <p:cNvPr id="3" name="Text Box 2"/>
+          <p:cNvSpPr txBox="1"/>
+          <p:nvPr/>
+        </p:nvSpPr>
+        <p:spPr>
+          <a:xfrm>
+            <a:off x="699135" y="2289175"/>
+            <a:ext cx="8362950" cy="1599565"/>
+          </a:xfrm>
+          <a:prstGeom prst="rect">
+            <a:avLst/>
+          </a:prstGeom>
+          <a:solidFill>
+            <a:schemeClr val="accent4">
+              <a:lumMod val="20000"/>
+              <a:lumOff val="80000"/>
+            </a:schemeClr>
+          </a:solidFill>
+        </p:spPr>
+        <p:txBody>
+          <a:bodyPr wrap="square" rtlCol="0" anchor="t">
+            <a:spAutoFit/>
+          </a:bodyPr>
+          <a:p>
+            <a:pPr marL="0" indent="0">
+              <a:buFont typeface="Arial" panose="020B0604020202090204" pitchFamily="34" charset="0"/>
+              <a:buNone/>
+            </a:pPr>
+            <a:r>
+              <a:rPr lang="en-US"/>
+              <a:t>def taproot_tweak_pubkey(</a:t>
+            </a:r>
+            <a:r>
+              <a:rPr lang="en-US">
+                <a:solidFill>
+                  <a:srgbClr val="FF0000"/>
+                </a:solidFill>
+              </a:rPr>
+              <a:t>pubkey</a:t>
+            </a:r>
+            <a:r>
+              <a:rPr lang="en-US"/>
+              <a:t>, </a:t>
+            </a:r>
+            <a:r>
+              <a:rPr lang="en-US">
+                <a:solidFill>
+                  <a:srgbClr val="FF0000"/>
+                </a:solidFill>
+              </a:rPr>
+              <a:t>smt_root</a:t>
+            </a:r>
+            <a:r>
+              <a:rPr lang="en-US"/>
+              <a:t>):</a:t>
+            </a:r>
+            <a:endParaRPr lang="en-US"/>
+          </a:p>
+          <a:p>
+            <a:pPr marL="0" indent="0">
+              <a:buFont typeface="Arial" panose="020B0604020202090204" pitchFamily="34" charset="0"/>
+              <a:buNone/>
+            </a:pPr>
+            <a:r>
+              <a:rPr lang="en-US"/>
+              <a:t>    h = int_from_bytes(ckb_tagged_hash("TapTweak", </a:t>
+            </a:r>
+            <a:r>
+              <a:rPr lang="en-US">
+                <a:solidFill>
+                  <a:srgbClr val="FF0000"/>
+                </a:solidFill>
+              </a:rPr>
+              <a:t>pubkey </a:t>
+            </a:r>
+            <a:r>
+              <a:rPr lang="en-US"/>
+              <a:t>+ </a:t>
+            </a:r>
+            <a:r>
+              <a:rPr lang="en-US">
+                <a:solidFill>
+                  <a:srgbClr val="FF0000"/>
+                </a:solidFill>
+              </a:rPr>
+              <a:t>smt_root</a:t>
+            </a:r>
+            <a:r>
+              <a:rPr lang="en-US"/>
+              <a:t>))</a:t>
+            </a:r>
+            <a:endParaRPr lang="en-US"/>
+          </a:p>
+          <a:p>
+            <a:pPr marL="0" indent="0">
+              <a:buFont typeface="Arial" panose="020B0604020202090204" pitchFamily="34" charset="0"/>
+              <a:buNone/>
+            </a:pPr>
+            <a:r>
+              <a:rPr lang="en-US"/>
+              <a:t>    P = lift_x(</a:t>
+            </a:r>
+            <a:r>
+              <a:rPr lang="en-US">
+                <a:solidFill>
+                  <a:srgbClr val="FF0000"/>
+                </a:solidFill>
+              </a:rPr>
+              <a:t>pubkey</a:t>
+            </a:r>
+            <a:r>
+              <a:rPr lang="en-US"/>
+              <a:t>)</a:t>
+            </a:r>
+            <a:endParaRPr lang="en-US"/>
+          </a:p>
+          <a:p>
+            <a:pPr marL="0" indent="0">
+              <a:buFont typeface="Arial" panose="020B0604020202090204" pitchFamily="34" charset="0"/>
+              <a:buNone/>
+            </a:pPr>
+            <a:r>
+              <a:rPr lang="en-US"/>
+              <a:t>    P2 = point_add(P, point_mul(G, h))</a:t>
+            </a:r>
+            <a:endParaRPr lang="en-US"/>
+          </a:p>
+          <a:p>
+            <a:pPr marL="0" indent="0">
+              <a:buFont typeface="Arial" panose="020B0604020202090204" pitchFamily="34" charset="0"/>
+              <a:buNone/>
+            </a:pPr>
+            <a:r>
+              <a:rPr lang="en-US"/>
+              <a:t>    return 0 if has_even_y(P2) else 1, bytes_from_int(x(P2))</a:t>
+            </a:r>
+            <a:endParaRPr lang="en-US"/>
+          </a:p>
+          <a:p>
+            <a:pPr marL="0" indent="0">
+              <a:buFont typeface="Arial" panose="020B0604020202090204" pitchFamily="34" charset="0"/>
+              <a:buNone/>
+            </a:pPr>
+            <a:endParaRPr lang="en-US"/>
+          </a:p>
+          <a:p>
+            <a:pPr marL="0" indent="0">
+              <a:buFont typeface="Arial" panose="020B0604020202090204" pitchFamily="34" charset="0"/>
+              <a:buNone/>
+            </a:pPr>
+            <a:r>
+              <a:rPr lang="en-US"/>
+              <a:t>(y_parity, taproot_output_key) = taproot_tweak_pubkey(taproot_internal_key, smt_root)</a:t>
+            </a:r>
+            <a:endParaRPr lang="en-US"/>
+          </a:p>
+        </p:txBody>
+      </p:sp>
+      <p:sp>
+        <p:nvSpPr>
+          <p:cNvPr id="5" name="Text Box 4"/>
+          <p:cNvSpPr txBox="1"/>
+          <p:nvPr/>
+        </p:nvSpPr>
+        <p:spPr>
+          <a:xfrm>
+            <a:off x="5005705" y="1640205"/>
+            <a:ext cx="3352800" cy="521970"/>
+          </a:xfrm>
+          <a:prstGeom prst="rect">
+            <a:avLst/>
+          </a:prstGeom>
+          <a:noFill/>
+        </p:spPr>
+        <p:txBody>
+          <a:bodyPr wrap="square" rtlCol="0">
+            <a:spAutoFit/>
+          </a:bodyPr>
+          <a:p>
+            <a:r>
+              <a:rPr lang="en-US">
+                <a:solidFill>
+                  <a:schemeClr val="tx1"/>
+                </a:solidFill>
+                <a:effectLst>
+                  <a:outerShdw blurRad="38100" dist="19050" dir="2700000" algn="tl" rotWithShape="0">
+                    <a:schemeClr val="dk1">
+                      <a:alpha val="40000"/>
+                    </a:schemeClr>
+                  </a:outerShdw>
+                </a:effectLst>
+              </a:rPr>
+              <a:t>P = s * G</a:t>
+            </a:r>
+            <a:endParaRPr lang="en-US">
+              <a:solidFill>
+                <a:schemeClr val="tx1"/>
+              </a:solidFill>
+              <a:effectLst>
+                <a:outerShdw blurRad="38100" dist="19050" dir="2700000" algn="tl" rotWithShape="0">
+                  <a:schemeClr val="dk1">
+                    <a:alpha val="40000"/>
+                  </a:schemeClr>
+                </a:outerShdw>
+              </a:effectLst>
+            </a:endParaRPr>
+          </a:p>
+          <a:p>
+            <a:r>
+              <a:rPr lang="en-US">
+                <a:solidFill>
+                  <a:schemeClr val="tx1"/>
+                </a:solidFill>
+                <a:effectLst>
+                  <a:outerShdw blurRad="38100" dist="19050" dir="2700000" algn="tl" rotWithShape="0">
+                    <a:schemeClr val="dk1">
+                      <a:alpha val="40000"/>
+                    </a:schemeClr>
+                  </a:outerShdw>
+                </a:effectLst>
+              </a:rPr>
+              <a:t>P' = (s + h) *G = s*G + h*G = P+h*G</a:t>
+            </a:r>
+            <a:endParaRPr lang="en-US">
+              <a:solidFill>
+                <a:schemeClr val="tx1"/>
+              </a:solidFill>
+              <a:effectLst>
+                <a:outerShdw blurRad="38100" dist="19050" dir="2700000" algn="tl" rotWithShape="0">
+                  <a:schemeClr val="dk1">
+                    <a:alpha val="40000"/>
+                  </a:schemeClr>
+                </a:outerShdw>
+              </a:effectLst>
+            </a:endParaRPr>
+          </a:p>
+        </p:txBody>
+      </p:sp>
+    </p:spTree>
+  </p:cSld>
+  <p:clrMapOvr>
+    <a:masterClrMapping/>
+  </p:clrMapOvr>
+</p:sld>
+</file>
+
+<file path=ppt/slides/slide16.xml><?xml version="1.0" encoding="utf-8"?>
+<p:sld xmlns:a="http://schemas.openxmlformats.org/drawingml/2006/main" xmlns:r="http://schemas.openxmlformats.org/officeDocument/2006/relationships" xmlns:p="http://schemas.openxmlformats.org/presentationml/2006/main">
+  <p:cSld>
+    <p:spTree>
+      <p:nvGrpSpPr>
+        <p:cNvPr id="49" name="Shape 49"/>
+        <p:cNvGrpSpPr/>
+        <p:nvPr/>
+      </p:nvGrpSpPr>
+      <p:grpSpPr>
+        <a:xfrm>
+          <a:off x="0" y="0"/>
+          <a:ext cx="0" cy="0"/>
+          <a:chOff x="0" y="0"/>
+          <a:chExt cx="0" cy="0"/>
+        </a:xfrm>
+      </p:grpSpPr>
+      <p:sp>
+        <p:nvSpPr>
+          <p:cNvPr id="40" name="Google Shape;40;p9"/>
+          <p:cNvSpPr txBox="1"/>
+          <p:nvPr/>
+        </p:nvSpPr>
+        <p:spPr>
+          <a:xfrm>
+            <a:off x="721995" y="600075"/>
+            <a:ext cx="7203440" cy="430530"/>
+          </a:xfrm>
+          <a:prstGeom prst="rect">
+            <a:avLst/>
+          </a:prstGeom>
+          <a:noFill/>
+          <a:ln>
+            <a:noFill/>
+          </a:ln>
+        </p:spPr>
+        <p:txBody>
+          <a:bodyPr spcFirstLastPara="1" wrap="square" lIns="0" tIns="0" rIns="0" bIns="0" anchor="ctr" anchorCtr="0">
+            <a:spAutoFit/>
+          </a:bodyPr>
+          <a:p>
+            <a:pPr marL="0" lvl="0" indent="0" algn="l" rtl="0" fontAlgn="t">
+              <a:spcBef>
+                <a:spcPts val="0"/>
+              </a:spcBef>
+              <a:spcAft>
+                <a:spcPts val="0"/>
+              </a:spcAft>
+              <a:buNone/>
+            </a:pPr>
+            <a:r>
+              <a:rPr lang="en-US" sz="2800" kern="100" spc="100">
+                <a:solidFill>
+                  <a:srgbClr val="EF190F"/>
+                </a:solidFill>
+                <a:uFillTx/>
+                <a:latin typeface="Noto Sans SC Black" panose="020B0A00000000000000" charset="-122"/>
+                <a:ea typeface="Montserrat" panose="00000300000000000000"/>
+                <a:cs typeface="Noto Sans SC Black" panose="020B0A00000000000000" charset="-122"/>
+                <a:sym typeface="Montserrat" panose="00000300000000000000"/>
+              </a:rPr>
+              <a:t>Script Path Spending Routine</a:t>
+            </a:r>
+            <a:endParaRPr lang="en-US" sz="2800" kern="100" spc="100">
+              <a:solidFill>
+                <a:srgbClr val="EF190F"/>
+              </a:solidFill>
+              <a:uFillTx/>
+              <a:latin typeface="Noto Sans SC Black" panose="020B0A00000000000000" charset="-122"/>
+              <a:ea typeface="Montserrat" panose="00000300000000000000"/>
+              <a:cs typeface="Noto Sans SC Black" panose="020B0A00000000000000" charset="-122"/>
+              <a:sym typeface="Montserrat" panose="00000300000000000000"/>
+            </a:endParaRPr>
+          </a:p>
+        </p:txBody>
+      </p:sp>
+      <p:sp>
+        <p:nvSpPr>
+          <p:cNvPr id="39" name="Google Shape;39;p9"/>
+          <p:cNvSpPr txBox="1"/>
+          <p:nvPr/>
+        </p:nvSpPr>
+        <p:spPr>
+          <a:xfrm>
+            <a:off x="8430975" y="4561225"/>
+            <a:ext cx="630900" cy="521700"/>
+          </a:xfrm>
+          <a:prstGeom prst="rect">
+            <a:avLst/>
+          </a:prstGeom>
+          <a:noFill/>
+          <a:ln>
+            <a:noFill/>
+          </a:ln>
+        </p:spPr>
+        <p:txBody>
+          <a:bodyPr spcFirstLastPara="1" wrap="square" lIns="91425" tIns="91425" rIns="91425" bIns="91425" anchor="t" anchorCtr="0">
+            <a:noAutofit/>
+          </a:bodyPr>
+          <a:p>
+            <a:pPr marL="0" lvl="0" indent="0" algn="l" rtl="0">
+              <a:spcBef>
+                <a:spcPts val="0"/>
+              </a:spcBef>
+              <a:spcAft>
+                <a:spcPts val="0"/>
+              </a:spcAft>
+              <a:buNone/>
+            </a:pPr>
+            <a:endParaRPr lang="en-US" sz="2700" b="1">
+              <a:solidFill>
+                <a:srgbClr val="B7B7B7"/>
+              </a:solidFill>
+              <a:latin typeface="Montserrat Bold" panose="00000300000000000000" charset="0"/>
+              <a:ea typeface="Noto Sans SC Bold" panose="020B0800000000000000" charset="-122"/>
+              <a:cs typeface="Montserrat Bold" panose="00000300000000000000" charset="0"/>
+              <a:sym typeface="Montserrat" panose="00000300000000000000"/>
+            </a:endParaRPr>
+          </a:p>
+        </p:txBody>
+      </p:sp>
+      <p:sp>
+        <p:nvSpPr>
+          <p:cNvPr id="1" name="Text Box 0"/>
+          <p:cNvSpPr txBox="1"/>
+          <p:nvPr/>
+        </p:nvSpPr>
+        <p:spPr>
+          <a:xfrm>
+            <a:off x="721995" y="1459230"/>
+            <a:ext cx="6861810" cy="1814830"/>
+          </a:xfrm>
+          <a:prstGeom prst="rect">
+            <a:avLst/>
+          </a:prstGeom>
+          <a:solidFill>
+            <a:schemeClr val="accent4">
+              <a:lumMod val="20000"/>
+              <a:lumOff val="80000"/>
+            </a:schemeClr>
+          </a:solidFill>
+        </p:spPr>
+        <p:txBody>
+          <a:bodyPr wrap="square" rtlCol="0">
+            <a:spAutoFit/>
+          </a:bodyPr>
+          <a:p>
+            <a:pPr marL="285750" indent="-285750">
+              <a:buFont typeface="Arial" panose="020B0604020202090204" pitchFamily="34" charset="0"/>
+              <a:buChar char="•"/>
+            </a:pPr>
+            <a:r>
+              <a:rPr lang="en-US">
+                <a:solidFill>
+                  <a:srgbClr val="FF0000"/>
+                </a:solidFill>
+              </a:rPr>
+              <a:t>taproot_output_key</a:t>
+            </a:r>
+            <a:r>
+              <a:rPr lang="en-US"/>
+              <a:t> and </a:t>
+            </a:r>
+            <a:r>
+              <a:rPr lang="en-US">
+                <a:solidFill>
+                  <a:srgbClr val="FF0000"/>
+                </a:solidFill>
+              </a:rPr>
+              <a:t>y_parity</a:t>
+            </a:r>
+            <a:r>
+              <a:rPr lang="en-US"/>
+              <a:t> should be equal to the return values of taproot_tweak_pubkey(</a:t>
+            </a:r>
+            <a:r>
+              <a:rPr lang="en-US">
+                <a:solidFill>
+                  <a:srgbClr val="FF0000"/>
+                </a:solidFill>
+              </a:rPr>
+              <a:t>taproot_internal_key</a:t>
+            </a:r>
+            <a:r>
+              <a:rPr lang="en-US"/>
+              <a:t>, </a:t>
+            </a:r>
+            <a:r>
+              <a:rPr lang="en-US" b="1">
+                <a:solidFill>
+                  <a:srgbClr val="FF0000"/>
+                </a:solidFill>
+                <a:latin typeface="Arial Bold" panose="020B0604020202090204" charset="0"/>
+                <a:cs typeface="Arial Bold" panose="020B0604020202090204" charset="0"/>
+              </a:rPr>
+              <a:t>smt_root</a:t>
+            </a:r>
+            <a:r>
+              <a:rPr lang="en-US"/>
+              <a:t>)</a:t>
+            </a:r>
+            <a:endParaRPr lang="en-US"/>
+          </a:p>
+          <a:p>
+            <a:pPr marL="285750" indent="-285750">
+              <a:buFont typeface="Arial" panose="020B0604020202090204" pitchFamily="34" charset="0"/>
+              <a:buChar char="•"/>
+            </a:pPr>
+            <a:endParaRPr lang="en-US"/>
+          </a:p>
+          <a:p>
+            <a:pPr marL="285750" indent="-285750">
+              <a:buFont typeface="Arial" panose="020B0604020202090204" pitchFamily="34" charset="0"/>
+              <a:buChar char="•"/>
+            </a:pPr>
+            <a:endParaRPr lang="en-US"/>
+          </a:p>
+          <a:p>
+            <a:pPr marL="285750" indent="-285750">
+              <a:buFont typeface="Arial" panose="020B0604020202090204" pitchFamily="34" charset="0"/>
+              <a:buChar char="•"/>
+            </a:pPr>
+            <a:r>
+              <a:rPr lang="en-US"/>
+              <a:t>smt_verify(blake160(</a:t>
+            </a:r>
+            <a:r>
+              <a:rPr lang="en-US">
+                <a:solidFill>
+                  <a:srgbClr val="FF0000"/>
+                </a:solidFill>
+              </a:rPr>
+              <a:t>exec_script</a:t>
+            </a:r>
+            <a:r>
+              <a:rPr lang="en-US"/>
+              <a:t>), VALUES, </a:t>
+            </a:r>
+            <a:r>
+              <a:rPr lang="en-US" b="1">
+                <a:solidFill>
+                  <a:srgbClr val="FF0000"/>
+                </a:solidFill>
+                <a:latin typeface="Arial Bold" panose="020B0604020202090204" charset="0"/>
+                <a:cs typeface="Arial Bold" panose="020B0604020202090204" charset="0"/>
+              </a:rPr>
+              <a:t>smt_root</a:t>
+            </a:r>
+            <a:r>
+              <a:rPr lang="en-US"/>
+              <a:t>, </a:t>
+            </a:r>
+            <a:r>
+              <a:rPr lang="en-US">
+                <a:solidFill>
+                  <a:srgbClr val="FF0000"/>
+                </a:solidFill>
+              </a:rPr>
+              <a:t>smt_proof</a:t>
+            </a:r>
+            <a:r>
+              <a:rPr lang="en-US"/>
+              <a:t>)</a:t>
+            </a:r>
+            <a:endParaRPr lang="en-US"/>
+          </a:p>
+          <a:p>
+            <a:pPr marL="285750" indent="-285750">
+              <a:buFont typeface="Arial" panose="020B0604020202090204" pitchFamily="34" charset="0"/>
+              <a:buChar char="•"/>
+            </a:pPr>
+            <a:endParaRPr lang="en-US"/>
+          </a:p>
+          <a:p>
+            <a:pPr marL="285750" indent="-285750">
+              <a:buFont typeface="Arial" panose="020B0604020202090204" pitchFamily="34" charset="0"/>
+              <a:buChar char="•"/>
+            </a:pPr>
+            <a:endParaRPr lang="en-US"/>
+          </a:p>
+          <a:p>
+            <a:pPr marL="285750" indent="-285750">
+              <a:buFont typeface="Arial" panose="020B0604020202090204" pitchFamily="34" charset="0"/>
+              <a:buChar char="•"/>
+            </a:pPr>
+            <a:r>
+              <a:rPr lang="en-US"/>
+              <a:t>“ckb_exec_cell” </a:t>
+            </a:r>
+            <a:r>
+              <a:rPr lang="en-US">
+                <a:solidFill>
+                  <a:srgbClr val="FF0000"/>
+                </a:solidFill>
+              </a:rPr>
+              <a:t>exec_script </a:t>
+            </a:r>
+            <a:r>
+              <a:rPr lang="en-US">
+                <a:solidFill>
+                  <a:schemeClr val="tx1"/>
+                </a:solidFill>
+              </a:rPr>
+              <a:t>(code_hash, hash_type, args)</a:t>
+            </a:r>
+            <a:r>
+              <a:rPr lang="en-US"/>
+              <a:t>, with additional </a:t>
+            </a:r>
+            <a:r>
+              <a:rPr lang="en-US">
+                <a:solidFill>
+                  <a:srgbClr val="FF0000"/>
+                </a:solidFill>
+              </a:rPr>
+              <a:t>args2</a:t>
+            </a:r>
+            <a:endParaRPr lang="en-US">
+              <a:solidFill>
+                <a:srgbClr val="FF0000"/>
+              </a:solidFill>
+            </a:endParaRPr>
+          </a:p>
+        </p:txBody>
+      </p:sp>
+      <p:graphicFrame>
+        <p:nvGraphicFramePr>
+          <p:cNvPr id="5" name="Table 4"/>
+          <p:cNvGraphicFramePr/>
+          <p:nvPr/>
+        </p:nvGraphicFramePr>
+        <p:xfrm>
+          <a:off x="429260" y="3462020"/>
+          <a:ext cx="7760335" cy="731520"/>
+        </p:xfrm>
+        <a:graphic>
+          <a:graphicData uri="http://schemas.openxmlformats.org/drawingml/2006/table">
+            <a:tbl>
+              <a:tblPr firstRow="1" bandRow="1">
+                <a:tableStyleId>{5C22544A-7EE6-4342-B048-85BDC9FD1C3A}</a:tableStyleId>
+              </a:tblPr>
+              <a:tblGrid>
+                <a:gridCol w="944880"/>
+                <a:gridCol w="1136015"/>
+                <a:gridCol w="1135380"/>
+                <a:gridCol w="1136650"/>
+                <a:gridCol w="1135380"/>
+                <a:gridCol w="1423035"/>
+                <a:gridCol w="848995"/>
+              </a:tblGrid>
+              <a:tr h="687070">
+                <a:tc>
+                  <a:txBody>
+                    <a:bodyPr/>
+                    <a:p>
+                      <a:pPr>
+                        <a:buNone/>
+                      </a:pPr>
+                      <a:r>
+                        <a:rPr lang="en-US"/>
+                        <a:t>taproot_</a:t>
+                      </a:r>
+                      <a:endParaRPr lang="en-US"/>
+                    </a:p>
+                    <a:p>
+                      <a:pPr>
+                        <a:buNone/>
+                      </a:pPr>
+                      <a:r>
+                        <a:rPr lang="en-US"/>
+                        <a:t>output_</a:t>
+                      </a:r>
+                      <a:endParaRPr lang="en-US"/>
+                    </a:p>
+                    <a:p>
+                      <a:pPr>
+                        <a:buNone/>
+                      </a:pPr>
+                      <a:r>
+                        <a:rPr lang="en-US"/>
+                        <a:t>key</a:t>
+                      </a:r>
+                      <a:endParaRPr lang="en-US"/>
+                    </a:p>
+                  </a:txBody>
+                  <a:tcPr/>
+                </a:tc>
+                <a:tc>
+                  <a:txBody>
+                    <a:bodyPr/>
+                    <a:p>
+                      <a:pPr>
+                        <a:buNone/>
+                      </a:pPr>
+                      <a:r>
+                        <a:rPr lang="en-US"/>
+                        <a:t>taproot_</a:t>
+                      </a:r>
+                      <a:endParaRPr lang="en-US"/>
+                    </a:p>
+                    <a:p>
+                      <a:pPr>
+                        <a:buNone/>
+                      </a:pPr>
+                      <a:r>
+                        <a:rPr lang="en-US"/>
+                        <a:t>internal_</a:t>
+                      </a:r>
+                      <a:endParaRPr lang="en-US"/>
+                    </a:p>
+                    <a:p>
+                      <a:pPr>
+                        <a:buNone/>
+                      </a:pPr>
+                      <a:r>
+                        <a:rPr lang="en-US"/>
+                        <a:t>key</a:t>
+                      </a:r>
+                      <a:endParaRPr lang="en-US"/>
+                    </a:p>
+                  </a:txBody>
+                  <a:tcPr/>
+                </a:tc>
+                <a:tc>
+                  <a:txBody>
+                    <a:bodyPr/>
+                    <a:p>
+                      <a:pPr>
+                        <a:buNone/>
+                      </a:pPr>
+                      <a:r>
+                        <a:rPr lang="en-US"/>
+                        <a:t>smt_root</a:t>
+                      </a:r>
+                      <a:endParaRPr lang="en-US"/>
+                    </a:p>
+                  </a:txBody>
+                  <a:tcPr/>
+                </a:tc>
+                <a:tc>
+                  <a:txBody>
+                    <a:bodyPr/>
+                    <a:p>
+                      <a:pPr>
+                        <a:buNone/>
+                      </a:pPr>
+                      <a:r>
+                        <a:rPr lang="en-US"/>
+                        <a:t>smt_proof</a:t>
+                      </a:r>
+                      <a:endParaRPr lang="en-US"/>
+                    </a:p>
+                  </a:txBody>
+                  <a:tcPr/>
+                </a:tc>
+                <a:tc>
+                  <a:txBody>
+                    <a:bodyPr/>
+                    <a:p>
+                      <a:pPr>
+                        <a:buNone/>
+                      </a:pPr>
+                      <a:r>
+                        <a:rPr lang="en-US"/>
+                        <a:t>y_pairity</a:t>
+                      </a:r>
+                      <a:endParaRPr lang="en-US"/>
+                    </a:p>
+                  </a:txBody>
+                  <a:tcPr/>
+                </a:tc>
+                <a:tc>
+                  <a:txBody>
+                    <a:bodyPr/>
+                    <a:p>
+                      <a:pPr>
+                        <a:buNone/>
+                      </a:pPr>
+                      <a:r>
+                        <a:rPr lang="en-US"/>
+                        <a:t>exec_script</a:t>
+                      </a:r>
+                      <a:endParaRPr lang="en-US"/>
+                    </a:p>
+                  </a:txBody>
+                  <a:tcPr/>
+                </a:tc>
+                <a:tc>
+                  <a:txBody>
+                    <a:bodyPr/>
+                    <a:p>
+                      <a:pPr>
+                        <a:buNone/>
+                      </a:pPr>
+                      <a:r>
+                        <a:rPr lang="en-US"/>
+                        <a:t>args2</a:t>
+                      </a:r>
+                      <a:endParaRPr lang="en-US"/>
+                    </a:p>
+                  </a:txBody>
+                  <a:tcPr/>
+                </a:tc>
+              </a:tr>
+            </a:tbl>
+          </a:graphicData>
+        </a:graphic>
+      </p:graphicFrame>
+    </p:spTree>
+  </p:cSld>
+  <p:clrMapOvr>
+    <a:masterClrMapping/>
+  </p:clrMapOvr>
+</p:sld>
+</file>
+
+<file path=ppt/slides/slide17.xml><?xml version="1.0" encoding="utf-8"?>
 <p:sld xmlns:a="http://schemas.openxmlformats.org/drawingml/2006/main" xmlns:r="http://schemas.openxmlformats.org/officeDocument/2006/relationships" xmlns:p="http://schemas.openxmlformats.org/presentationml/2006/main">
   <p:cSld>
     <p:spTree>
@@ -4025,7 +6710,7 @@
                 <a:cs typeface="Noto Sans SC Black" panose="020B0A00000000000000" charset="-122"/>
                 <a:sym typeface="Montserrat" panose="00000300000000000000"/>
               </a:rPr>
-              <a:t>Key point: Sparse Merkle Tree (SMT)</a:t>
+              <a:t>Key Point: Sparse Merkle Tree (SMT)</a:t>
             </a:r>
             <a:endParaRPr lang="en-US" sz="2800" kern="100" spc="100">
               <a:solidFill>
@@ -4093,8 +6778,8 @@
         </p:nvSpPr>
         <p:spPr>
           <a:xfrm>
-            <a:off x="721995" y="1480820"/>
-            <a:ext cx="3471545" cy="953135"/>
+            <a:off x="721995" y="1449070"/>
+            <a:ext cx="3471545" cy="2030095"/>
           </a:xfrm>
           <a:prstGeom prst="rect">
             <a:avLst/>
@@ -4129,17 +6814,50 @@
             </a:r>
             <a:r>
               <a:rPr lang="en-US">
-                <a:hlinkClick r:id="rId1" tooltip="" action="ppaction://hlinkfile"/>
+                <a:hlinkClick r:id="rId1" action="ppaction://hlinkfile"/>
               </a:rPr>
               <a:t>SMT</a:t>
             </a:r>
-            <a:endParaRPr lang="en-US"/>
+            <a:endParaRPr lang="en-US">
+              <a:hlinkClick r:id="rId1" action="ppaction://hlinkfile"/>
+            </a:endParaRPr>
           </a:p>
           <a:p>
             <a:pPr marL="0" indent="0">
               <a:buFont typeface="Arial" panose="020B0604020202090204" pitchFamily="34" charset="0"/>
               <a:buNone/>
             </a:pPr>
+            <a:endParaRPr lang="en-US"/>
+          </a:p>
+          <a:p>
+            <a:pPr marL="285750" indent="-285750">
+              <a:buFont typeface="Wingdings" panose="05000000000000000000" charset="0"/>
+              <a:buChar char=""/>
+            </a:pPr>
+            <a:r>
+              <a:rPr lang="en-US"/>
+              <a:t>K/V store with only 32-byte data(SMT Root) on chain.</a:t>
+            </a:r>
+            <a:endParaRPr lang="en-US"/>
+          </a:p>
+          <a:p>
+            <a:pPr marL="0" indent="0">
+              <a:buFont typeface="Arial" panose="020B0604020202090204" pitchFamily="34" charset="0"/>
+              <a:buNone/>
+            </a:pPr>
+            <a:endParaRPr lang="en-US"/>
+          </a:p>
+          <a:p>
+            <a:pPr marL="285750" indent="-285750">
+              <a:buFont typeface="Wingdings" panose="05000000000000000000" charset="0"/>
+              <a:buChar char=""/>
+            </a:pPr>
+            <a:r>
+              <a:rPr lang="en-US">
+                <a:sym typeface="+mn-ea"/>
+              </a:rPr>
+              <a:t>It can verify a 32-byte key is on (or not on) SMT with proof.</a:t>
+            </a:r>
             <a:endParaRPr lang="en-US"/>
           </a:p>
           <a:p>
@@ -4182,6 +6900,47 @@
           </a:prstGeom>
         </p:spPr>
       </p:pic>
+      <p:sp>
+        <p:nvSpPr>
+          <p:cNvPr id="2" name="Text Box 1"/>
+          <p:cNvSpPr txBox="1"/>
+          <p:nvPr/>
+        </p:nvSpPr>
+        <p:spPr>
+          <a:xfrm>
+            <a:off x="721995" y="4039235"/>
+            <a:ext cx="2773680" cy="521970"/>
+          </a:xfrm>
+          <a:prstGeom prst="rect">
+            <a:avLst/>
+          </a:prstGeom>
+          <a:solidFill>
+            <a:schemeClr val="accent4">
+              <a:lumMod val="60000"/>
+              <a:lumOff val="40000"/>
+            </a:schemeClr>
+          </a:solidFill>
+        </p:spPr>
+        <p:txBody>
+          <a:bodyPr wrap="none" rtlCol="0">
+            <a:spAutoFit/>
+          </a:bodyPr>
+          <a:p>
+            <a:r>
+              <a:rPr lang="en-US"/>
+              <a:t>SMT is the key library shared by </a:t>
+            </a:r>
+            <a:endParaRPr lang="en-US"/>
+          </a:p>
+          <a:p>
+            <a:r>
+              <a:rPr lang="en-US"/>
+              <a:t>Taproot Lock and RC Lock.</a:t>
+            </a:r>
+            <a:endParaRPr lang="en-US"/>
+          </a:p>
+        </p:txBody>
+      </p:sp>
     </p:spTree>
   </p:cSld>
   <p:clrMapOvr>
@@ -4351,7 +7110,7 @@
             </a:pPr>
             <a:r>
               <a:rPr lang="en-US">
-                <a:hlinkClick r:id="rId1" tooltip="" action="ppaction://hlinkfile"/>
+                <a:hlinkClick r:id="rId1" action="ppaction://hlinkfile"/>
               </a:rPr>
               <a:t>BIP-0341</a:t>
             </a:r>
@@ -4368,7 +7127,7 @@
             </a:pPr>
             <a:r>
               <a:rPr lang="en-US">
-                <a:hlinkClick r:id="rId2" tooltip="" action="ppaction://hlinkfile"/>
+                <a:hlinkClick r:id="rId2" action="ppaction://hlinkfile"/>
               </a:rPr>
               <a:t>BIP-0340</a:t>
             </a:r>
@@ -4398,8 +7157,8 @@
           </a:p>
           <a:p>
             <a:pPr marL="285750" indent="-285750">
-              <a:buFont typeface="Arial" panose="020B0604020202090204" pitchFamily="34" charset="0"/>
-              <a:buChar char="•"/>
+              <a:buFont typeface="Wingdings" panose="05000000000000000000" charset="0"/>
+              <a:buChar char=""/>
             </a:pPr>
             <a:r>
               <a:rPr lang="en-US"/>
@@ -4409,8 +7168,8 @@
           </a:p>
           <a:p>
             <a:pPr marL="285750" indent="-285750">
-              <a:buFont typeface="Arial" panose="020B0604020202090204" pitchFamily="34" charset="0"/>
-              <a:buChar char="•"/>
+              <a:buFont typeface="Wingdings" panose="05000000000000000000" charset="0"/>
+              <a:buChar char=""/>
             </a:pPr>
             <a:r>
               <a:rPr lang="en-US"/>
@@ -4649,7 +7408,7 @@
             </a:pPr>
             <a:r>
               <a:rPr lang="en-US">
-                <a:hlinkClick r:id="rId1" tooltip="" action="ppaction://hlinkfile"/>
+                <a:hlinkClick r:id="rId1" action="ppaction://hlinkfile"/>
               </a:rPr>
               <a:t>python demo</a:t>
             </a:r>
@@ -4671,30 +7430,90 @@
           </a:p>
         </p:txBody>
       </p:sp>
-      <p:pic>
-        <p:nvPicPr>
-          <p:cNvPr id="2" name="Picture 1"/>
-          <p:cNvPicPr>
-            <a:picLocks noChangeAspect="1"/>
-          </p:cNvPicPr>
+      <p:sp>
+        <p:nvSpPr>
+          <p:cNvPr id="5" name="Text Box 4"/>
+          <p:cNvSpPr txBox="1"/>
           <p:nvPr/>
-        </p:nvPicPr>
-        <p:blipFill>
-          <a:blip r:embed="rId2"/>
-          <a:stretch>
-            <a:fillRect/>
-          </a:stretch>
-        </p:blipFill>
-        <p:spPr>
-          <a:xfrm>
-            <a:off x="4023995" y="2134235"/>
-            <a:ext cx="4492625" cy="2802255"/>
+        </p:nvSpPr>
+        <p:spPr>
+          <a:xfrm>
+            <a:off x="4399915" y="1905635"/>
+            <a:ext cx="1330960" cy="521970"/>
           </a:xfrm>
           <a:prstGeom prst="rect">
             <a:avLst/>
           </a:prstGeom>
-        </p:spPr>
-      </p:pic>
+          <a:noFill/>
+        </p:spPr>
+        <p:txBody>
+          <a:bodyPr wrap="square" rtlCol="0">
+            <a:spAutoFit/>
+          </a:bodyPr>
+          <a:p>
+            <a:r>
+              <a:rPr lang="en-US">
+                <a:ln/>
+                <a:solidFill>
+                  <a:schemeClr val="tx1"/>
+                </a:solidFill>
+                <a:effectLst>
+                  <a:outerShdw blurRad="38100" dist="19050" dir="2700000" algn="tl" rotWithShape="0">
+                    <a:schemeClr val="dk1">
+                      <a:alpha val="40000"/>
+                    </a:schemeClr>
+                  </a:outerShdw>
+                </a:effectLst>
+              </a:rPr>
+              <a:t>P = s * G</a:t>
+            </a:r>
+            <a:endParaRPr lang="en-US">
+              <a:ln/>
+              <a:solidFill>
+                <a:schemeClr val="tx1"/>
+              </a:solidFill>
+              <a:effectLst>
+                <a:outerShdw blurRad="38100" dist="19050" dir="2700000" algn="tl" rotWithShape="0">
+                  <a:schemeClr val="dk1">
+                    <a:alpha val="40000"/>
+                  </a:schemeClr>
+                </a:outerShdw>
+              </a:effectLst>
+            </a:endParaRPr>
+          </a:p>
+          <a:p>
+            <a:r>
+              <a:rPr lang="en-US">
+                <a:ln/>
+                <a:solidFill>
+                  <a:schemeClr val="tx1"/>
+                </a:solidFill>
+                <a:effectLst>
+                  <a:outerShdw blurRad="38100" dist="19050" dir="2700000" algn="tl" rotWithShape="0">
+                    <a:schemeClr val="dk1">
+                      <a:alpha val="40000"/>
+                    </a:schemeClr>
+                  </a:outerShdw>
+                </a:effectLst>
+              </a:rPr>
+              <a:t>P' = (s + h) *G</a:t>
+            </a:r>
+            <a:endParaRPr lang="en-US">
+              <a:ln/>
+              <a:solidFill>
+                <a:schemeClr val="tx1"/>
+              </a:solidFill>
+              <a:effectLst>
+                <a:outerShdw blurRad="38100" dist="19050" dir="2700000" algn="tl" rotWithShape="0">
+                  <a:schemeClr val="dk1">
+                    <a:alpha val="40000"/>
+                  </a:schemeClr>
+                </a:outerShdw>
+              </a:effectLst>
+            </a:endParaRPr>
+          </a:p>
+        </p:txBody>
+      </p:sp>
     </p:spTree>
   </p:cSld>
   <p:clrMapOvr>
@@ -4864,7 +7683,7 @@
             </a:pPr>
             <a:r>
               <a:rPr lang="en-US">
-                <a:hlinkClick r:id="rId1" tooltip="" action="ppaction://hlinkfile"/>
+                <a:hlinkClick r:id="rId1" action="ppaction://hlinkfile"/>
               </a:rPr>
               <a:t>RC Lock Spec</a:t>
             </a:r>
@@ -5185,7 +8004,7 @@
         <p:spPr>
           <a:xfrm>
             <a:off x="721995" y="2342515"/>
-            <a:ext cx="2291080" cy="2245360"/>
+            <a:ext cx="2506980" cy="2245360"/>
           </a:xfrm>
           <a:prstGeom prst="rect">
             <a:avLst/>
@@ -5199,7 +8018,6 @@
           <a:p>
             <a:r>
               <a:rPr lang="en-US">
-                <a:ln/>
                 <a:solidFill>
                   <a:schemeClr val="accent1"/>
                 </a:solidFill>
@@ -5216,6 +8034,10 @@
             <a:endParaRPr lang="en-US"/>
           </a:p>
           <a:p>
+            <a:pPr marL="285750" indent="-285750">
+              <a:buFont typeface="Wingdings" panose="05000000000000000000" charset="0"/>
+              <a:buChar char=""/>
+            </a:pPr>
             <a:r>
               <a:rPr lang="en-US"/>
               <a:t>0x00: CKB (secp256k1)</a:t>
@@ -5223,6 +8045,10 @@
             <a:endParaRPr lang="en-US"/>
           </a:p>
           <a:p>
+            <a:pPr marL="285750" indent="-285750">
+              <a:buFont typeface="Wingdings" panose="05000000000000000000" charset="0"/>
+              <a:buChar char=""/>
+            </a:pPr>
             <a:r>
               <a:rPr lang="en-US"/>
               <a:t>0x01: Ethereum</a:t>
@@ -5230,6 +8056,10 @@
             <a:endParaRPr lang="en-US"/>
           </a:p>
           <a:p>
+            <a:pPr marL="285750" indent="-285750">
+              <a:buFont typeface="Wingdings" panose="05000000000000000000" charset="0"/>
+              <a:buChar char=""/>
+            </a:pPr>
             <a:r>
               <a:rPr lang="en-US"/>
               <a:t>0x02: Eos</a:t>
@@ -5237,6 +8067,10 @@
             <a:endParaRPr lang="en-US"/>
           </a:p>
           <a:p>
+            <a:pPr marL="285750" indent="-285750">
+              <a:buFont typeface="Wingdings" panose="05000000000000000000" charset="0"/>
+              <a:buChar char=""/>
+            </a:pPr>
             <a:r>
               <a:rPr lang="en-US"/>
               <a:t>0x03: Tron</a:t>
@@ -5244,6 +8078,10 @@
             <a:endParaRPr lang="en-US"/>
           </a:p>
           <a:p>
+            <a:pPr marL="285750" indent="-285750">
+              <a:buFont typeface="Wingdings" panose="05000000000000000000" charset="0"/>
+              <a:buChar char=""/>
+            </a:pPr>
             <a:r>
               <a:rPr lang="en-US"/>
               <a:t>0x04: Bitcoin</a:t>
@@ -5251,6 +8089,10 @@
             <a:endParaRPr lang="en-US"/>
           </a:p>
           <a:p>
+            <a:pPr marL="285750" indent="-285750">
+              <a:buFont typeface="Wingdings" panose="05000000000000000000" charset="0"/>
+              <a:buChar char=""/>
+            </a:pPr>
             <a:r>
               <a:rPr lang="en-US"/>
               <a:t>0x05: Dogecoin</a:t>
@@ -5258,6 +8100,10 @@
             <a:endParaRPr lang="en-US"/>
           </a:p>
           <a:p>
+            <a:pPr marL="285750" indent="-285750">
+              <a:buFont typeface="Wingdings" panose="05000000000000000000" charset="0"/>
+              <a:buChar char=""/>
+            </a:pPr>
             <a:r>
               <a:rPr lang="en-US"/>
               <a:t>0x06: Schnorr</a:t>
@@ -5265,13 +8111,21 @@
             <a:endParaRPr lang="en-US"/>
           </a:p>
           <a:p>
+            <a:pPr marL="0" indent="0">
+              <a:buFont typeface="Wingdings" panose="05000000000000000000" charset="0"/>
+              <a:buNone/>
+            </a:pPr>
             <a:r>
               <a:rPr lang="en-US"/>
-              <a:t>...</a:t>
+              <a:t>	...</a:t>
             </a:r>
             <a:endParaRPr lang="en-US"/>
           </a:p>
           <a:p>
+            <a:pPr marL="285750" indent="-285750">
+              <a:buFont typeface="Wingdings" panose="05000000000000000000" charset="0"/>
+              <a:buChar char=""/>
+            </a:pPr>
             <a:r>
               <a:rPr lang="en-US"/>
               <a:t>0xFC: Owner lock</a:t>
@@ -5488,7 +8342,7 @@
         </p:nvSpPr>
         <p:spPr>
           <a:xfrm>
-            <a:off x="4411345" y="2635250"/>
+            <a:off x="721995" y="2703195"/>
             <a:ext cx="2869565" cy="1168400"/>
           </a:xfrm>
           <a:prstGeom prst="rect">
@@ -5503,7 +8357,6 @@
           <a:p>
             <a:r>
               <a:rPr lang="en-US">
-                <a:ln/>
                 <a:solidFill>
                   <a:schemeClr val="accent1"/>
                 </a:solidFill>
@@ -5521,8 +8374,8 @@
           </a:p>
           <a:p>
             <a:pPr marL="285750" indent="-285750">
-              <a:buFont typeface="Arial" panose="020B0604020202090204" pitchFamily="34" charset="0"/>
-              <a:buChar char="•"/>
+              <a:buFont typeface="Wingdings" panose="05000000000000000000" charset="0"/>
+              <a:buChar char=""/>
             </a:pPr>
             <a:r>
               <a:rPr lang="en-US">
@@ -5534,8 +8387,8 @@
           </a:p>
           <a:p>
             <a:pPr marL="285750" indent="-285750">
-              <a:buFont typeface="Arial" panose="020B0604020202090204" pitchFamily="34" charset="0"/>
-              <a:buChar char="•"/>
+              <a:buFont typeface="Wingdings" panose="05000000000000000000" charset="0"/>
+              <a:buChar char=""/>
             </a:pPr>
             <a:r>
               <a:rPr lang="en-US"/>
@@ -5545,8 +8398,8 @@
           </a:p>
           <a:p>
             <a:pPr marL="285750" indent="-285750">
-              <a:buFont typeface="Arial" panose="020B0604020202090204" pitchFamily="34" charset="0"/>
-              <a:buChar char="•"/>
+              <a:buFont typeface="Wingdings" panose="05000000000000000000" charset="0"/>
+              <a:buChar char=""/>
             </a:pPr>
             <a:r>
               <a:rPr lang="en-US"/>
@@ -5556,8 +8409,8 @@
           </a:p>
           <a:p>
             <a:pPr marL="285750" indent="-285750">
-              <a:buFont typeface="Arial" panose="020B0604020202090204" pitchFamily="34" charset="0"/>
-              <a:buChar char="•"/>
+              <a:buFont typeface="Wingdings" panose="05000000000000000000" charset="0"/>
+              <a:buChar char=""/>
             </a:pPr>
             <a:r>
               <a:rPr lang="en-US"/>
@@ -5575,7 +8428,7 @@
         </p:nvSpPr>
         <p:spPr>
           <a:xfrm>
-            <a:off x="4466590" y="4011295"/>
+            <a:off x="3655695" y="3057525"/>
             <a:ext cx="3365500" cy="460375"/>
           </a:xfrm>
           <a:prstGeom prst="rect">
@@ -6315,7 +9168,7 @@
             </a:r>
             <a:r>
               <a:rPr lang="en-US" sz="1200">
-                <a:hlinkClick r:id="rId1" tooltip="" action="ppaction://hlinkfile"/>
+                <a:hlinkClick r:id="rId1" action="ppaction://hlinkfile"/>
               </a:rPr>
               <a:t>RCE(xUDT)</a:t>
             </a:r>
@@ -6824,66 +9677,6 @@
           </a:graphicData>
         </a:graphic>
       </p:graphicFrame>
-      <p:cxnSp>
-        <p:nvCxnSpPr>
-          <p:cNvPr id="5" name="Straight Connector 4"/>
-          <p:cNvCxnSpPr/>
-          <p:nvPr/>
-        </p:nvCxnSpPr>
-        <p:spPr>
-          <a:xfrm flipH="1">
-            <a:off x="1805305" y="2313940"/>
-            <a:ext cx="878205" cy="963930"/>
-          </a:xfrm>
-          <a:prstGeom prst="line">
-            <a:avLst/>
-          </a:prstGeom>
-        </p:spPr>
-        <p:style>
-          <a:lnRef idx="1">
-            <a:schemeClr val="accent1"/>
-          </a:lnRef>
-          <a:fillRef idx="0">
-            <a:schemeClr val="accent1"/>
-          </a:fillRef>
-          <a:effectRef idx="0">
-            <a:schemeClr val="accent1"/>
-          </a:effectRef>
-          <a:fontRef idx="minor">
-            <a:schemeClr val="tx1"/>
-          </a:fontRef>
-        </p:style>
-      </p:cxnSp>
-      <p:cxnSp>
-        <p:nvCxnSpPr>
-          <p:cNvPr id="7" name="Straight Connector 6"/>
-          <p:cNvCxnSpPr/>
-          <p:nvPr/>
-        </p:nvCxnSpPr>
-        <p:spPr>
-          <a:xfrm>
-            <a:off x="4817745" y="2342515"/>
-            <a:ext cx="1106805" cy="913765"/>
-          </a:xfrm>
-          <a:prstGeom prst="line">
-            <a:avLst/>
-          </a:prstGeom>
-        </p:spPr>
-        <p:style>
-          <a:lnRef idx="1">
-            <a:schemeClr val="accent1"/>
-          </a:lnRef>
-          <a:fillRef idx="0">
-            <a:schemeClr val="accent1"/>
-          </a:fillRef>
-          <a:effectRef idx="0">
-            <a:schemeClr val="accent1"/>
-          </a:effectRef>
-          <a:fontRef idx="minor">
-            <a:schemeClr val="tx1"/>
-          </a:fontRef>
-        </p:style>
-      </p:cxnSp>
       <p:pic>
         <p:nvPicPr>
           <p:cNvPr id="14" name="Picture 13"/>
@@ -6916,8 +9709,8 @@
         </p:nvSpPr>
         <p:spPr>
           <a:xfrm>
-            <a:off x="5847715" y="2747010"/>
-            <a:ext cx="2818765" cy="306705"/>
+            <a:off x="5939155" y="2436495"/>
+            <a:ext cx="2818765" cy="521970"/>
           </a:xfrm>
           <a:prstGeom prst="rect">
             <a:avLst/>
@@ -6934,6 +9727,15 @@
                 <a:sym typeface="+mn-ea"/>
               </a:rPr>
               <a:t>RC AdminList Cell's Type ID</a:t>
+            </a:r>
+            <a:endParaRPr lang="en-US">
+              <a:sym typeface="+mn-ea"/>
+            </a:endParaRPr>
+          </a:p>
+          <a:p>
+            <a:r>
+              <a:rPr lang="en-US"/>
+              <a:t>(RC Args in script args)</a:t>
             </a:r>
             <a:endParaRPr lang="en-US"/>
           </a:p>
@@ -7004,6 +9806,53 @@
               <a:t>note: In taproot, there is only one RCRule and one proof</a:t>
             </a:r>
             <a:endParaRPr lang="en-US" sz="1200"/>
+          </a:p>
+        </p:txBody>
+      </p:sp>
+      <p:sp>
+        <p:nvSpPr>
+          <p:cNvPr id="3" name="Down Arrow 2"/>
+          <p:cNvSpPr/>
+          <p:nvPr/>
+        </p:nvSpPr>
+        <p:spPr>
+          <a:xfrm>
+            <a:off x="3305175" y="2392680"/>
+            <a:ext cx="278130" cy="784860"/>
+          </a:xfrm>
+          <a:prstGeom prst="downArrow">
+            <a:avLst/>
+          </a:prstGeom>
+          <a:solidFill>
+            <a:srgbClr val="92D050"/>
+          </a:solidFill>
+          <a:ln>
+            <a:solidFill>
+              <a:srgbClr val="92D050"/>
+            </a:solidFill>
+          </a:ln>
+        </p:spPr>
+        <p:style>
+          <a:lnRef idx="2">
+            <a:schemeClr val="accent1">
+              <a:shade val="50000"/>
+            </a:schemeClr>
+          </a:lnRef>
+          <a:fillRef idx="1">
+            <a:schemeClr val="accent1"/>
+          </a:fillRef>
+          <a:effectRef idx="0">
+            <a:schemeClr val="accent1"/>
+          </a:effectRef>
+          <a:fontRef idx="minor">
+            <a:schemeClr val="lt1"/>
+          </a:fontRef>
+        </p:style>
+        <p:txBody>
+          <a:bodyPr rtlCol="0" anchor="ctr"/>
+          <a:p>
+            <a:pPr algn="ctr"/>
+            <a:endParaRPr lang="en-US"/>
           </a:p>
         </p:txBody>
       </p:sp>

--- a/presentation.pptx
+++ b/presentation.pptx
@@ -974,6 +974,46 @@
               </a:spcAft>
               <a:buNone/>
             </a:pPr>
+            <a:r>
+              <a:t>监管合规</a:t>
+            </a:r>
+            <a:r>
+              <a:rPr lang="en-US"/>
+              <a:t>:</a:t>
+            </a:r>
+            <a:r>
+              <a:rPr lang="en-US" altLang="zh-CN">
+                <a:solidFill>
+                  <a:srgbClr val="FFFFFF"/>
+                </a:solidFill>
+                <a:latin typeface="Noto Sans SC Black" panose="020B0A00000000000000" charset="-122"/>
+                <a:ea typeface="Montserrat" panose="00000300000000000000"/>
+                <a:cs typeface="Noto Sans SC Black" panose="020B0A00000000000000" charset="-122"/>
+                <a:sym typeface="Montserrat" panose="00000300000000000000"/>
+              </a:rPr>
+              <a:t>Regulation Compliance</a:t>
+            </a:r>
+            <a:endParaRPr lang="en-US" altLang="zh-CN">
+              <a:solidFill>
+                <a:srgbClr val="FFFFFF"/>
+              </a:solidFill>
+              <a:latin typeface="Noto Sans SC Black" panose="020B0A00000000000000" charset="-122"/>
+              <a:ea typeface="Montserrat" panose="00000300000000000000"/>
+              <a:cs typeface="Noto Sans SC Black" panose="020B0A00000000000000" charset="-122"/>
+              <a:sym typeface="Montserrat" panose="00000300000000000000"/>
+            </a:endParaRPr>
+          </a:p>
+          <a:p>
+            <a:pPr marL="0" lvl="0" indent="0" algn="l" rtl="0">
+              <a:spcBef>
+                <a:spcPts val="0"/>
+              </a:spcBef>
+              <a:spcAft>
+                <a:spcPts val="0"/>
+              </a:spcAft>
+              <a:buNone/>
+            </a:pPr>
+            <a:endParaRPr lang="en-US"/>
           </a:p>
         </p:txBody>
       </p:sp>
@@ -4053,7 +4093,7 @@
         <p:spPr>
           <a:xfrm>
             <a:off x="877570" y="1471930"/>
-            <a:ext cx="4375785" cy="1168400"/>
+            <a:ext cx="4781550" cy="1599565"/>
           </a:xfrm>
           <a:prstGeom prst="rect">
             <a:avLst/>
@@ -4076,7 +4116,7 @@
             </a:pPr>
             <a:r>
               <a:rPr lang="en-US"/>
-              <a:t>rc_lock mask in script args is enable (script args)</a:t>
+              <a:t>RC args in script args is enable (script args)</a:t>
             </a:r>
             <a:endParaRPr lang="en-US"/>
           </a:p>
@@ -4098,7 +4138,7 @@
             </a:pPr>
             <a:r>
               <a:rPr lang="en-US"/>
-              <a:t>verify identity in rc_identity on white list (witness)</a:t>
+              <a:t>verify identity in rc_identity on white list/or not on black list (witness)</a:t>
             </a:r>
             <a:endParaRPr lang="en-US"/>
           </a:p>
@@ -4109,7 +4149,7 @@
             </a:pPr>
             <a:r>
               <a:rPr lang="en-US"/>
-              <a:t>use identity in rc_identity to unlock (witness)</a:t>
+              <a:t>use identity in rc_identity to unlock: the signature in witness can be also used. (witness)</a:t>
             </a:r>
             <a:endParaRPr lang="en-US"/>
           </a:p>
@@ -4261,6 +4301,35 @@
               <a:latin typeface="Arial Bold" panose="020B0604020202090204" charset="0"/>
               <a:cs typeface="Arial Bold" panose="020B0604020202090204" charset="0"/>
             </a:endParaRPr>
+          </a:p>
+        </p:txBody>
+      </p:sp>
+      <p:sp>
+        <p:nvSpPr>
+          <p:cNvPr id="1" name="Text Box 0"/>
+          <p:cNvSpPr txBox="1"/>
+          <p:nvPr/>
+        </p:nvSpPr>
+        <p:spPr>
+          <a:xfrm>
+            <a:off x="877570" y="3746500"/>
+            <a:ext cx="3449955" cy="737235"/>
+          </a:xfrm>
+          <a:prstGeom prst="rect">
+            <a:avLst/>
+          </a:prstGeom>
+          <a:noFill/>
+        </p:spPr>
+        <p:txBody>
+          <a:bodyPr wrap="square" rtlCol="0">
+            <a:spAutoFit/>
+          </a:bodyPr>
+          <a:p>
+            <a:r>
+              <a:rPr lang="en-US"/>
+              <a:t>Other method: Unlock by signature when the rc_identity in witness isn't present. It's trivial.</a:t>
+            </a:r>
+            <a:endParaRPr lang="en-US"/>
           </a:p>
         </p:txBody>
       </p:sp>
@@ -4689,7 +4758,7 @@
             </a:pPr>
             <a:r>
               <a:rPr lang="en-US"/>
-              <a:t>Identitcal to unlock method widely used in Bitcoin and CKB:</a:t>
+              <a:t>Identical to unlock method (by signature) widely used in Bitcoin and CKB:</a:t>
             </a:r>
             <a:endParaRPr lang="en-US"/>
           </a:p>
@@ -5608,7 +5677,7 @@
         </p:nvSpPr>
         <p:spPr>
           <a:xfrm>
-            <a:off x="721995" y="384493"/>
+            <a:off x="721995" y="392748"/>
             <a:ext cx="7203440" cy="861695"/>
           </a:xfrm>
           <a:prstGeom prst="rect">
@@ -5784,7 +5853,7 @@
         </p:nvSpPr>
         <p:spPr>
           <a:xfrm>
-            <a:off x="699135" y="2289175"/>
+            <a:off x="699135" y="2297430"/>
             <a:ext cx="8362950" cy="1599565"/>
           </a:xfrm>
           <a:prstGeom prst="rect">
@@ -6488,7 +6557,7 @@
                       </a:pPr>
                       <a:r>
                         <a:rPr lang="en-US"/>
-                        <a:t>y_pairity</a:t>
+                        <a:t>y_parity</a:t>
                       </a:r>
                       <a:endParaRPr lang="en-US"/>
                     </a:p>
@@ -7453,7 +7522,6 @@
           <a:p>
             <a:r>
               <a:rPr lang="en-US">
-                <a:ln/>
                 <a:solidFill>
                   <a:schemeClr val="tx1"/>
                 </a:solidFill>
@@ -7468,7 +7536,6 @@
               <a:t>P = s * G</a:t>
             </a:r>
             <a:endParaRPr lang="en-US">
-              <a:ln/>
               <a:solidFill>
                 <a:schemeClr val="tx1"/>
               </a:solidFill>
@@ -7484,7 +7551,6 @@
           <a:p>
             <a:r>
               <a:rPr lang="en-US">
-                <a:ln/>
                 <a:solidFill>
                   <a:schemeClr val="tx1"/>
                 </a:solidFill>
@@ -7499,7 +7565,6 @@
               <a:t>P' = (s + h) *G</a:t>
             </a:r>
             <a:endParaRPr lang="en-US">
-              <a:ln/>
               <a:solidFill>
                 <a:schemeClr val="tx1"/>
               </a:solidFill>
@@ -7711,8 +7776,15 @@
             </a:pPr>
             <a:r>
               <a:rPr lang="en-US"/>
-              <a:t>Administrators of the RC lock, typically regulators for a particular xUDT token</a:t>
-            </a:r>
+              <a:t>Administrators</a:t>
+            </a:r>
+            <a:endParaRPr lang="en-US"/>
+          </a:p>
+          <a:p>
+            <a:pPr marL="285750" indent="-285750">
+              <a:buFont typeface="Arial" panose="020B0604020202090204" pitchFamily="34" charset="0"/>
+              <a:buChar char="•"/>
+            </a:pPr>
             <a:endParaRPr lang="en-US"/>
           </a:p>
           <a:p>
@@ -7720,16 +7792,9 @@
               <a:buFont typeface="Arial" panose="020B0604020202090204" pitchFamily="34" charset="0"/>
               <a:buNone/>
             </a:pPr>
-            <a:endParaRPr lang="en-US"/>
-          </a:p>
-          <a:p>
-            <a:pPr marL="0" indent="0">
-              <a:buFont typeface="Arial" panose="020B0604020202090204" pitchFamily="34" charset="0"/>
-              <a:buNone/>
-            </a:pPr>
             <a:r>
               <a:rPr lang="en-US"/>
-              <a:t>Compare to the taproot lock and compare them:</a:t>
+              <a:t>Compare to the taproot lock:</a:t>
             </a:r>
             <a:endParaRPr lang="en-US"/>
           </a:p>
@@ -8203,7 +8268,7 @@
                 <a:cs typeface="Noto Sans SC Black" panose="020B0A00000000000000" charset="-122"/>
                 <a:sym typeface="Montserrat" panose="00000300000000000000"/>
               </a:rPr>
-              <a:t>RC Lock: 2-phase</a:t>
+              <a:t>RC Lock: Two Phases</a:t>
             </a:r>
             <a:endParaRPr lang="en-US" sz="2800" kern="100" spc="100">
               <a:solidFill>
@@ -8381,7 +8446,7 @@
               <a:rPr lang="en-US">
                 <a:sym typeface="+mn-ea"/>
               </a:rPr>
-              <a:t>(RC)Regular Compliance</a:t>
+              <a:t>(RC)Regulation Compliance</a:t>
             </a:r>
             <a:endParaRPr lang="en-US"/>
           </a:p>
@@ -9803,7 +9868,7 @@
           <a:p>
             <a:r>
               <a:rPr lang="en-US" sz="1200"/>
-              <a:t>note: In taproot, there is only one RCRule and one proof</a:t>
+              <a:t>note: there is at least one RCRule with white list</a:t>
             </a:r>
             <a:endParaRPr lang="en-US" sz="1200"/>
           </a:p>
